--- a/頌讚你哈利路亞.pptx
+++ b/頌讚你哈利路亞.pptx
@@ -8,8 +8,9 @@
     <p:sldId id="256" r:id="rId2"/>
     <p:sldId id="257" r:id="rId3"/>
     <p:sldId id="258" r:id="rId4"/>
+    <p:sldId id="259" r:id="rId5"/>
   </p:sldIdLst>
-  <p:sldSz cx="9144000" cy="6858000" type="screen4x3"/>
+  <p:sldSz cx="12192000" cy="6858000"/>
   <p:notesSz cx="6858000" cy="9144000"/>
   <p:defaultTextStyle>
     <a:defPPr>
@@ -106,6 +107,22 @@
       </a:defRPr>
     </a:lvl9pPr>
   </p:defaultTextStyle>
+  <p:extLst>
+    <p:ext uri="{EFAFB233-063F-42B5-8137-9DF3F51BA10A}">
+      <p15:sldGuideLst xmlns:p15="http://schemas.microsoft.com/office/powerpoint/2012/main">
+        <p15:guide id="1" orient="horz" pos="2160" userDrawn="1">
+          <p15:clr>
+            <a:srgbClr val="A4A3A4"/>
+          </p15:clr>
+        </p15:guide>
+        <p15:guide id="2" pos="3840" userDrawn="1">
+          <p15:clr>
+            <a:srgbClr val="A4A3A4"/>
+          </p15:clr>
+        </p15:guide>
+      </p15:sldGuideLst>
+    </p:ext>
+  </p:extLst>
 </p:presentation>
 </file>
 
@@ -138,8 +155,8 @@
         </p:nvSpPr>
         <p:spPr>
           <a:xfrm>
-            <a:off x="685800" y="2130425"/>
-            <a:ext cx="7772400" cy="1470025"/>
+            <a:off x="914400" y="2130426"/>
+            <a:ext cx="10363200" cy="1470025"/>
           </a:xfrm>
         </p:spPr>
         <p:txBody>
@@ -166,8 +183,8 @@
         </p:nvSpPr>
         <p:spPr>
           <a:xfrm>
-            <a:off x="1371600" y="3886200"/>
-            <a:ext cx="6400800" cy="1752600"/>
+            <a:off x="1828800" y="3886200"/>
+            <a:ext cx="8534400" cy="1752600"/>
           </a:xfrm>
         </p:spPr>
         <p:txBody>
@@ -291,7 +308,7 @@
             <a:fld id="{B235E853-9233-4ECB-AA3F-F9C5E9CFBDB1}" type="datetimeFigureOut">
               <a:rPr lang="zh-TW" altLang="en-US" smtClean="0"/>
               <a:pPr/>
-              <a:t>2017/8/29</a:t>
+              <a:t>2020/11/20</a:t>
             </a:fld>
             <a:endParaRPr lang="zh-TW" altLang="en-US"/>
           </a:p>
@@ -458,7 +475,7 @@
             <a:fld id="{B235E853-9233-4ECB-AA3F-F9C5E9CFBDB1}" type="datetimeFigureOut">
               <a:rPr lang="zh-TW" altLang="en-US" smtClean="0"/>
               <a:pPr/>
-              <a:t>2017/8/29</a:t>
+              <a:t>2020/11/20</a:t>
             </a:fld>
             <a:endParaRPr lang="zh-TW" altLang="en-US"/>
           </a:p>
@@ -544,8 +561,8 @@
         </p:nvSpPr>
         <p:spPr>
           <a:xfrm>
-            <a:off x="6629400" y="274638"/>
-            <a:ext cx="2057400" cy="5851525"/>
+            <a:off x="8839200" y="274639"/>
+            <a:ext cx="2743200" cy="5851525"/>
           </a:xfrm>
         </p:spPr>
         <p:txBody>
@@ -572,8 +589,8 @@
         </p:nvSpPr>
         <p:spPr>
           <a:xfrm>
-            <a:off x="457200" y="274638"/>
-            <a:ext cx="6019800" cy="5851525"/>
+            <a:off x="609600" y="274639"/>
+            <a:ext cx="8026400" cy="5851525"/>
           </a:xfrm>
         </p:spPr>
         <p:txBody>
@@ -635,7 +652,7 @@
             <a:fld id="{B235E853-9233-4ECB-AA3F-F9C5E9CFBDB1}" type="datetimeFigureOut">
               <a:rPr lang="zh-TW" altLang="en-US" smtClean="0"/>
               <a:pPr/>
-              <a:t>2017/8/29</a:t>
+              <a:t>2020/11/20</a:t>
             </a:fld>
             <a:endParaRPr lang="zh-TW" altLang="en-US"/>
           </a:p>
@@ -802,7 +819,7 @@
             <a:fld id="{B235E853-9233-4ECB-AA3F-F9C5E9CFBDB1}" type="datetimeFigureOut">
               <a:rPr lang="zh-TW" altLang="en-US" smtClean="0"/>
               <a:pPr/>
-              <a:t>2017/8/29</a:t>
+              <a:t>2020/11/20</a:t>
             </a:fld>
             <a:endParaRPr lang="zh-TW" altLang="en-US"/>
           </a:p>
@@ -888,8 +905,8 @@
         </p:nvSpPr>
         <p:spPr>
           <a:xfrm>
-            <a:off x="722313" y="4406900"/>
-            <a:ext cx="7772400" cy="1362075"/>
+            <a:off x="963084" y="4406901"/>
+            <a:ext cx="10363200" cy="1362075"/>
           </a:xfrm>
         </p:spPr>
         <p:txBody>
@@ -920,8 +937,8 @@
         </p:nvSpPr>
         <p:spPr>
           <a:xfrm>
-            <a:off x="722313" y="2906713"/>
-            <a:ext cx="7772400" cy="1500187"/>
+            <a:off x="963084" y="2906713"/>
+            <a:ext cx="10363200" cy="1500187"/>
           </a:xfrm>
         </p:spPr>
         <p:txBody>
@@ -1045,7 +1062,7 @@
             <a:fld id="{B235E853-9233-4ECB-AA3F-F9C5E9CFBDB1}" type="datetimeFigureOut">
               <a:rPr lang="zh-TW" altLang="en-US" smtClean="0"/>
               <a:pPr/>
-              <a:t>2017/8/29</a:t>
+              <a:t>2020/11/20</a:t>
             </a:fld>
             <a:endParaRPr lang="zh-TW" altLang="en-US"/>
           </a:p>
@@ -1154,8 +1171,8 @@
         </p:nvSpPr>
         <p:spPr>
           <a:xfrm>
-            <a:off x="457200" y="1600200"/>
-            <a:ext cx="4038600" cy="4525963"/>
+            <a:off x="609600" y="1600201"/>
+            <a:ext cx="5384800" cy="4525963"/>
           </a:xfrm>
         </p:spPr>
         <p:txBody>
@@ -1239,8 +1256,8 @@
         </p:nvSpPr>
         <p:spPr>
           <a:xfrm>
-            <a:off x="4648200" y="1600200"/>
-            <a:ext cx="4038600" cy="4525963"/>
+            <a:off x="6197600" y="1600201"/>
+            <a:ext cx="5384800" cy="4525963"/>
           </a:xfrm>
         </p:spPr>
         <p:txBody>
@@ -1330,7 +1347,7 @@
             <a:fld id="{B235E853-9233-4ECB-AA3F-F9C5E9CFBDB1}" type="datetimeFigureOut">
               <a:rPr lang="zh-TW" altLang="en-US" smtClean="0"/>
               <a:pPr/>
-              <a:t>2017/8/29</a:t>
+              <a:t>2020/11/20</a:t>
             </a:fld>
             <a:endParaRPr lang="zh-TW" altLang="en-US"/>
           </a:p>
@@ -1443,8 +1460,8 @@
         </p:nvSpPr>
         <p:spPr>
           <a:xfrm>
-            <a:off x="457200" y="1535113"/>
-            <a:ext cx="4040188" cy="639762"/>
+            <a:off x="609600" y="1535113"/>
+            <a:ext cx="5386917" cy="639762"/>
           </a:xfrm>
         </p:spPr>
         <p:txBody>
@@ -1508,8 +1525,8 @@
         </p:nvSpPr>
         <p:spPr>
           <a:xfrm>
-            <a:off x="457200" y="2174875"/>
-            <a:ext cx="4040188" cy="3951288"/>
+            <a:off x="609600" y="2174875"/>
+            <a:ext cx="5386917" cy="3951288"/>
           </a:xfrm>
         </p:spPr>
         <p:txBody>
@@ -1593,8 +1610,8 @@
         </p:nvSpPr>
         <p:spPr>
           <a:xfrm>
-            <a:off x="4645025" y="1535113"/>
-            <a:ext cx="4041775" cy="639762"/>
+            <a:off x="6193368" y="1535113"/>
+            <a:ext cx="5389033" cy="639762"/>
           </a:xfrm>
         </p:spPr>
         <p:txBody>
@@ -1658,8 +1675,8 @@
         </p:nvSpPr>
         <p:spPr>
           <a:xfrm>
-            <a:off x="4645025" y="2174875"/>
-            <a:ext cx="4041775" cy="3951288"/>
+            <a:off x="6193368" y="2174875"/>
+            <a:ext cx="5389033" cy="3951288"/>
           </a:xfrm>
         </p:spPr>
         <p:txBody>
@@ -1749,7 +1766,7 @@
             <a:fld id="{B235E853-9233-4ECB-AA3F-F9C5E9CFBDB1}" type="datetimeFigureOut">
               <a:rPr lang="zh-TW" altLang="en-US" smtClean="0"/>
               <a:pPr/>
-              <a:t>2017/8/29</a:t>
+              <a:t>2020/11/20</a:t>
             </a:fld>
             <a:endParaRPr lang="zh-TW" altLang="en-US"/>
           </a:p>
@@ -1864,7 +1881,7 @@
             <a:fld id="{B235E853-9233-4ECB-AA3F-F9C5E9CFBDB1}" type="datetimeFigureOut">
               <a:rPr lang="zh-TW" altLang="en-US" smtClean="0"/>
               <a:pPr/>
-              <a:t>2017/8/29</a:t>
+              <a:t>2020/11/20</a:t>
             </a:fld>
             <a:endParaRPr lang="zh-TW" altLang="en-US"/>
           </a:p>
@@ -1956,7 +1973,7 @@
             <a:fld id="{B235E853-9233-4ECB-AA3F-F9C5E9CFBDB1}" type="datetimeFigureOut">
               <a:rPr lang="zh-TW" altLang="en-US" smtClean="0"/>
               <a:pPr/>
-              <a:t>2017/8/29</a:t>
+              <a:t>2020/11/20</a:t>
             </a:fld>
             <a:endParaRPr lang="zh-TW" altLang="en-US"/>
           </a:p>
@@ -2042,8 +2059,8 @@
         </p:nvSpPr>
         <p:spPr>
           <a:xfrm>
-            <a:off x="457200" y="273050"/>
-            <a:ext cx="3008313" cy="1162050"/>
+            <a:off x="609601" y="273050"/>
+            <a:ext cx="4011084" cy="1162050"/>
           </a:xfrm>
         </p:spPr>
         <p:txBody>
@@ -2074,8 +2091,8 @@
         </p:nvSpPr>
         <p:spPr>
           <a:xfrm>
-            <a:off x="3575050" y="273050"/>
-            <a:ext cx="5111750" cy="5853113"/>
+            <a:off x="4766733" y="273051"/>
+            <a:ext cx="6815667" cy="5853113"/>
           </a:xfrm>
         </p:spPr>
         <p:txBody>
@@ -2159,8 +2176,8 @@
         </p:nvSpPr>
         <p:spPr>
           <a:xfrm>
-            <a:off x="457200" y="1435100"/>
-            <a:ext cx="3008313" cy="4691063"/>
+            <a:off x="609601" y="1435101"/>
+            <a:ext cx="4011084" cy="4691063"/>
           </a:xfrm>
         </p:spPr>
         <p:txBody>
@@ -2230,7 +2247,7 @@
             <a:fld id="{B235E853-9233-4ECB-AA3F-F9C5E9CFBDB1}" type="datetimeFigureOut">
               <a:rPr lang="zh-TW" altLang="en-US" smtClean="0"/>
               <a:pPr/>
-              <a:t>2017/8/29</a:t>
+              <a:t>2020/11/20</a:t>
             </a:fld>
             <a:endParaRPr lang="zh-TW" altLang="en-US"/>
           </a:p>
@@ -2316,8 +2333,8 @@
         </p:nvSpPr>
         <p:spPr>
           <a:xfrm>
-            <a:off x="1792288" y="4800600"/>
-            <a:ext cx="5486400" cy="566738"/>
+            <a:off x="2389717" y="4800600"/>
+            <a:ext cx="7315200" cy="566738"/>
           </a:xfrm>
         </p:spPr>
         <p:txBody>
@@ -2348,8 +2365,8 @@
         </p:nvSpPr>
         <p:spPr>
           <a:xfrm>
-            <a:off x="1792288" y="612775"/>
-            <a:ext cx="5486400" cy="4114800"/>
+            <a:off x="2389717" y="612775"/>
+            <a:ext cx="7315200" cy="4114800"/>
           </a:xfrm>
         </p:spPr>
         <p:txBody>
@@ -2413,8 +2430,8 @@
         </p:nvSpPr>
         <p:spPr>
           <a:xfrm>
-            <a:off x="1792288" y="5367338"/>
-            <a:ext cx="5486400" cy="804862"/>
+            <a:off x="2389717" y="5367338"/>
+            <a:ext cx="7315200" cy="804862"/>
           </a:xfrm>
         </p:spPr>
         <p:txBody>
@@ -2484,7 +2501,7 @@
             <a:fld id="{B235E853-9233-4ECB-AA3F-F9C5E9CFBDB1}" type="datetimeFigureOut">
               <a:rPr lang="zh-TW" altLang="en-US" smtClean="0"/>
               <a:pPr/>
-              <a:t>2017/8/29</a:t>
+              <a:t>2020/11/20</a:t>
             </a:fld>
             <a:endParaRPr lang="zh-TW" altLang="en-US"/>
           </a:p>
@@ -2580,8 +2597,8 @@
         </p:nvSpPr>
         <p:spPr>
           <a:xfrm>
-            <a:off x="457200" y="274638"/>
-            <a:ext cx="8229600" cy="1143000"/>
+            <a:off x="609600" y="274638"/>
+            <a:ext cx="10972800" cy="1143000"/>
           </a:xfrm>
           <a:prstGeom prst="rect">
             <a:avLst/>
@@ -2613,8 +2630,8 @@
         </p:nvSpPr>
         <p:spPr>
           <a:xfrm>
-            <a:off x="457200" y="1600200"/>
-            <a:ext cx="8229600" cy="4525963"/>
+            <a:off x="609600" y="1600201"/>
+            <a:ext cx="10972800" cy="4525963"/>
           </a:xfrm>
           <a:prstGeom prst="rect">
             <a:avLst/>
@@ -2675,8 +2692,8 @@
         </p:nvSpPr>
         <p:spPr>
           <a:xfrm>
-            <a:off x="457200" y="6356350"/>
-            <a:ext cx="2133600" cy="365125"/>
+            <a:off x="609600" y="6356351"/>
+            <a:ext cx="2844800" cy="365125"/>
           </a:xfrm>
           <a:prstGeom prst="rect">
             <a:avLst/>
@@ -2699,7 +2716,7 @@
             <a:fld id="{B235E853-9233-4ECB-AA3F-F9C5E9CFBDB1}" type="datetimeFigureOut">
               <a:rPr lang="zh-TW" altLang="en-US" smtClean="0"/>
               <a:pPr/>
-              <a:t>2017/8/29</a:t>
+              <a:t>2020/11/20</a:t>
             </a:fld>
             <a:endParaRPr lang="zh-TW" altLang="en-US"/>
           </a:p>
@@ -2717,8 +2734,8 @@
         </p:nvSpPr>
         <p:spPr>
           <a:xfrm>
-            <a:off x="3124200" y="6356350"/>
-            <a:ext cx="2895600" cy="365125"/>
+            <a:off x="4165600" y="6356351"/>
+            <a:ext cx="3860800" cy="365125"/>
           </a:xfrm>
           <a:prstGeom prst="rect">
             <a:avLst/>
@@ -2754,8 +2771,8 @@
         </p:nvSpPr>
         <p:spPr>
           <a:xfrm>
-            <a:off x="6553200" y="6356350"/>
-            <a:ext cx="2133600" cy="365125"/>
+            <a:off x="8737600" y="6356351"/>
+            <a:ext cx="2844800" cy="365125"/>
           </a:xfrm>
           <a:prstGeom prst="rect">
             <a:avLst/>
@@ -3072,7 +3089,7 @@
       </p:grpSpPr>
       <p:sp>
         <p:nvSpPr>
-          <p:cNvPr id="2" name="標題 1"/>
+          <p:cNvPr id="4" name="標題 3"/>
           <p:cNvSpPr>
             <a:spLocks noGrp="1"/>
           </p:cNvSpPr>
@@ -3080,97 +3097,95 @@
             <p:ph type="title"/>
           </p:nvPr>
         </p:nvSpPr>
-        <p:spPr/>
+        <p:spPr>
+          <a:xfrm>
+            <a:off x="0" y="2857513"/>
+            <a:ext cx="12192000" cy="1143000"/>
+          </a:xfrm>
+        </p:spPr>
         <p:txBody>
           <a:bodyPr>
-            <a:normAutofit/>
+            <a:noAutofit/>
           </a:bodyPr>
           <a:lstStyle/>
           <a:p>
             <a:r>
-              <a:rPr lang="zh-TW" altLang="en-US" b="1" dirty="0" smtClean="0">
-                <a:solidFill>
-                  <a:srgbClr val="002060"/>
-                </a:solidFill>
+              <a:rPr lang="zh-TW" altLang="en-US" sz="7200" b="1" i="1" dirty="0">
+                <a:solidFill>
+                  <a:srgbClr val="660033"/>
+                </a:solidFill>
+                <a:effectLst>
+                  <a:outerShdw blurRad="38100" dist="38100" dir="2700000" algn="tl">
+                    <a:srgbClr val="000000">
+                      <a:alpha val="43137"/>
+                    </a:srgbClr>
+                  </a:outerShdw>
+                </a:effectLst>
                 <a:latin typeface="微軟正黑體" pitchFamily="34" charset="-120"/>
                 <a:ea typeface="微軟正黑體" pitchFamily="34" charset="-120"/>
               </a:rPr>
-              <a:t>頌讚你 哈利路亞</a:t>
-            </a:r>
-            <a:endParaRPr lang="zh-TW" altLang="en-US" b="1" dirty="0">
-              <a:solidFill>
-                <a:srgbClr val="002060"/>
-              </a:solidFill>
-              <a:latin typeface="微軟正黑體" pitchFamily="34" charset="-120"/>
-              <a:ea typeface="微軟正黑體" pitchFamily="34" charset="-120"/>
-            </a:endParaRPr>
-          </a:p>
-        </p:txBody>
-      </p:sp>
-      <p:sp>
-        <p:nvSpPr>
-          <p:cNvPr id="3" name="內容版面配置區 2"/>
-          <p:cNvSpPr>
-            <a:spLocks noGrp="1"/>
-          </p:cNvSpPr>
-          <p:nvPr>
-            <p:ph idx="1"/>
-          </p:nvPr>
-        </p:nvSpPr>
-        <p:spPr/>
-        <p:txBody>
-          <a:bodyPr>
-            <a:noAutofit/>
-          </a:bodyPr>
-          <a:lstStyle/>
-          <a:p>
-            <a:pPr algn="ctr">
-              <a:buNone/>
-            </a:pPr>
-            <a:r>
-              <a:rPr lang="zh-TW" altLang="en-US" sz="5400" b="1" dirty="0" smtClean="0">
-                <a:solidFill>
-                  <a:srgbClr val="002060"/>
-                </a:solidFill>
+              <a:t>頌讚</a:t>
+            </a:r>
+            <a:r>
+              <a:rPr lang="zh-CN" altLang="en-US" sz="7200" b="1" i="1" dirty="0">
+                <a:solidFill>
+                  <a:srgbClr val="660033"/>
+                </a:solidFill>
+                <a:effectLst>
+                  <a:outerShdw blurRad="38100" dist="38100" dir="2700000" algn="tl">
+                    <a:srgbClr val="000000">
+                      <a:alpha val="43137"/>
+                    </a:srgbClr>
+                  </a:outerShdw>
+                </a:effectLst>
                 <a:latin typeface="微軟正黑體" pitchFamily="34" charset="-120"/>
                 <a:ea typeface="微軟正黑體" pitchFamily="34" charset="-120"/>
               </a:rPr>
-              <a:t>感激基督帶領</a:t>
-            </a:r>
-          </a:p>
-          <a:p>
-            <a:pPr algn="ctr">
-              <a:buNone/>
-            </a:pPr>
-            <a:r>
-              <a:rPr lang="zh-TW" altLang="en-US" sz="5400" b="1" dirty="0" smtClean="0">
-                <a:solidFill>
-                  <a:srgbClr val="002060"/>
-                </a:solidFill>
+              <a:t>袮</a:t>
+            </a:r>
+            <a:r>
+              <a:rPr lang="zh-TW" altLang="en-US" sz="7200" b="1" i="1" dirty="0">
+                <a:solidFill>
+                  <a:srgbClr val="660033"/>
+                </a:solidFill>
+                <a:effectLst>
+                  <a:outerShdw blurRad="38100" dist="38100" dir="2700000" algn="tl">
+                    <a:srgbClr val="000000">
+                      <a:alpha val="43137"/>
+                    </a:srgbClr>
+                  </a:outerShdw>
+                </a:effectLst>
                 <a:latin typeface="微軟正黑體" pitchFamily="34" charset="-120"/>
                 <a:ea typeface="微軟正黑體" pitchFamily="34" charset="-120"/>
               </a:rPr>
-              <a:t>恩典賜予我未停</a:t>
-            </a:r>
-          </a:p>
-          <a:p>
-            <a:pPr algn="ctr">
-              <a:buNone/>
-            </a:pPr>
-            <a:r>
-              <a:rPr lang="zh-TW" altLang="en-US" sz="5400" b="1" dirty="0" smtClean="0">
-                <a:solidFill>
-                  <a:srgbClr val="002060"/>
-                </a:solidFill>
+              <a:t> </a:t>
+            </a:r>
+            <a:r>
+              <a:rPr lang="zh-TW" altLang="en-US" sz="7200" b="1" i="1" dirty="0">
+                <a:solidFill>
+                  <a:srgbClr val="660033"/>
+                </a:solidFill>
+                <a:effectLst>
+                  <a:outerShdw blurRad="38100" dist="38100" dir="2700000" algn="tl">
+                    <a:srgbClr val="000000">
+                      <a:alpha val="43137"/>
+                    </a:srgbClr>
+                  </a:outerShdw>
+                </a:effectLst>
                 <a:latin typeface="微軟正黑體" pitchFamily="34" charset="-120"/>
                 <a:ea typeface="微軟正黑體" pitchFamily="34" charset="-120"/>
               </a:rPr>
-              <a:t>日日服事主  我心歡喜</a:t>
+              <a:t>哈利路亞</a:t>
             </a:r>
           </a:p>
         </p:txBody>
       </p:sp>
     </p:spTree>
+    <p:extLst>
+      <p:ext uri="{BB962C8B-B14F-4D97-AF65-F5344CB8AC3E}">
+        <p14:creationId xmlns:p14="http://schemas.microsoft.com/office/powerpoint/2010/main" val="1998908706"/>
+      </p:ext>
+    </p:extLst>
   </p:cSld>
   <p:clrMapOvr>
     <a:masterClrMapping/>
@@ -3197,85 +3212,58 @@
       </p:grpSpPr>
       <p:sp>
         <p:nvSpPr>
-          <p:cNvPr id="2" name="標題 1"/>
-          <p:cNvSpPr>
-            <a:spLocks noGrp="1"/>
-          </p:cNvSpPr>
-          <p:nvPr>
-            <p:ph type="title"/>
-          </p:nvPr>
-        </p:nvSpPr>
-        <p:spPr/>
-        <p:txBody>
-          <a:bodyPr>
+          <p:cNvPr id="5" name="內容版面配置區 4"/>
+          <p:cNvSpPr>
+            <a:spLocks noGrp="1"/>
+          </p:cNvSpPr>
+          <p:nvPr>
+            <p:ph idx="1"/>
+          </p:nvPr>
+        </p:nvSpPr>
+        <p:spPr>
+          <a:xfrm>
+            <a:off x="0" y="2084851"/>
+            <a:ext cx="12192000" cy="2404863"/>
+          </a:xfrm>
+        </p:spPr>
+        <p:txBody>
+          <a:bodyPr anchor="ctr">
             <a:normAutofit/>
           </a:bodyPr>
           <a:lstStyle/>
           <a:p>
-            <a:r>
-              <a:rPr lang="zh-TW" altLang="en-US" b="1" dirty="0" smtClean="0">
-                <a:solidFill>
-                  <a:srgbClr val="002060"/>
+            <a:pPr algn="ctr">
+              <a:buNone/>
+            </a:pPr>
+            <a:r>
+              <a:rPr lang="zh-TW" altLang="en-US" sz="6400" b="1" dirty="0">
+                <a:solidFill>
+                  <a:srgbClr val="660033"/>
                 </a:solidFill>
                 <a:latin typeface="微軟正黑體" pitchFamily="34" charset="-120"/>
                 <a:ea typeface="微軟正黑體" pitchFamily="34" charset="-120"/>
               </a:rPr>
-              <a:t>頌讚你 哈利路亞</a:t>
-            </a:r>
-            <a:endParaRPr lang="zh-TW" altLang="en-US" b="1" dirty="0">
-              <a:solidFill>
-                <a:srgbClr val="002060"/>
-              </a:solidFill>
-              <a:latin typeface="微軟正黑體" pitchFamily="34" charset="-120"/>
-              <a:ea typeface="微軟正黑體" pitchFamily="34" charset="-120"/>
-            </a:endParaRPr>
-          </a:p>
-        </p:txBody>
-      </p:sp>
-      <p:sp>
-        <p:nvSpPr>
-          <p:cNvPr id="3" name="內容版面配置區 2"/>
-          <p:cNvSpPr>
-            <a:spLocks noGrp="1"/>
-          </p:cNvSpPr>
-          <p:nvPr>
-            <p:ph idx="1"/>
-          </p:nvPr>
-        </p:nvSpPr>
-        <p:spPr/>
-        <p:txBody>
-          <a:bodyPr>
-            <a:noAutofit/>
-          </a:bodyPr>
-          <a:lstStyle/>
-          <a:p>
-            <a:pPr algn="ctr">
-              <a:buNone/>
-            </a:pPr>
-            <a:r>
-              <a:rPr lang="zh-TW" altLang="en-US" sz="5400" b="1" dirty="0" smtClean="0">
-                <a:solidFill>
-                  <a:srgbClr val="002060"/>
+              <a:t>感激基督帶</a:t>
+            </a:r>
+            <a:r>
+              <a:rPr lang="zh-TW" altLang="en-US" sz="6400" b="1" dirty="0">
+                <a:solidFill>
+                  <a:srgbClr val="660033"/>
                 </a:solidFill>
                 <a:latin typeface="微軟正黑體" pitchFamily="34" charset="-120"/>
                 <a:ea typeface="微軟正黑體" pitchFamily="34" charset="-120"/>
               </a:rPr>
-              <a:t>讓讚美聲跨千里</a:t>
-            </a:r>
-          </a:p>
-          <a:p>
-            <a:pPr algn="ctr">
-              <a:buNone/>
-            </a:pPr>
-            <a:r>
-              <a:rPr lang="zh-TW" altLang="en-US" sz="5400" b="1" dirty="0" smtClean="0">
-                <a:solidFill>
-                  <a:srgbClr val="002060"/>
+              <a:t>領  恩</a:t>
+            </a:r>
+            <a:r>
+              <a:rPr lang="zh-TW" altLang="en-US" sz="6400" b="1" dirty="0">
+                <a:solidFill>
+                  <a:srgbClr val="660033"/>
                 </a:solidFill>
                 <a:latin typeface="微軟正黑體" pitchFamily="34" charset="-120"/>
                 <a:ea typeface="微軟正黑體" pitchFamily="34" charset="-120"/>
               </a:rPr>
-              <a:t>要唱唱唱莫停</a:t>
+              <a:t>典賜予我未停</a:t>
             </a:r>
           </a:p>
           <a:p>
@@ -3283,19 +3271,24 @@
               <a:buNone/>
             </a:pPr>
             <a:r>
-              <a:rPr lang="zh-TW" altLang="en-US" sz="5400" b="1" dirty="0" smtClean="0">
-                <a:solidFill>
-                  <a:srgbClr val="002060"/>
+              <a:rPr lang="zh-TW" altLang="en-US" sz="6400" b="1" dirty="0">
+                <a:solidFill>
+                  <a:srgbClr val="660033"/>
                 </a:solidFill>
                 <a:latin typeface="微軟正黑體" pitchFamily="34" charset="-120"/>
                 <a:ea typeface="微軟正黑體" pitchFamily="34" charset="-120"/>
               </a:rPr>
-              <a:t>哈利路亞</a:t>
+              <a:t>日日服事主  我心歡喜</a:t>
             </a:r>
           </a:p>
         </p:txBody>
       </p:sp>
     </p:spTree>
+    <p:extLst>
+      <p:ext uri="{BB962C8B-B14F-4D97-AF65-F5344CB8AC3E}">
+        <p14:creationId xmlns:p14="http://schemas.microsoft.com/office/powerpoint/2010/main" val="4246779582"/>
+      </p:ext>
+    </p:extLst>
   </p:cSld>
   <p:clrMapOvr>
     <a:masterClrMapping/>
@@ -3322,115 +3315,286 @@
       </p:grpSpPr>
       <p:sp>
         <p:nvSpPr>
-          <p:cNvPr id="2" name="標題 1"/>
-          <p:cNvSpPr>
-            <a:spLocks noGrp="1"/>
-          </p:cNvSpPr>
-          <p:nvPr>
-            <p:ph type="title"/>
-          </p:nvPr>
-        </p:nvSpPr>
-        <p:spPr/>
-        <p:txBody>
-          <a:bodyPr>
+          <p:cNvPr id="5" name="內容版面配置區 4"/>
+          <p:cNvSpPr>
+            <a:spLocks noGrp="1"/>
+          </p:cNvSpPr>
+          <p:nvPr>
+            <p:ph idx="1"/>
+          </p:nvPr>
+        </p:nvSpPr>
+        <p:spPr>
+          <a:xfrm>
+            <a:off x="0" y="2084851"/>
+            <a:ext cx="12192000" cy="2404863"/>
+          </a:xfrm>
+        </p:spPr>
+        <p:txBody>
+          <a:bodyPr anchor="ctr">
             <a:normAutofit/>
           </a:bodyPr>
           <a:lstStyle/>
           <a:p>
-            <a:r>
-              <a:rPr lang="zh-TW" altLang="en-US" b="1" dirty="0" smtClean="0">
-                <a:solidFill>
-                  <a:srgbClr val="002060"/>
+            <a:pPr algn="ctr">
+              <a:buNone/>
+            </a:pPr>
+            <a:r>
+              <a:rPr lang="zh-TW" altLang="en-US" sz="6400" b="1" dirty="0">
+                <a:solidFill>
+                  <a:srgbClr val="660033"/>
                 </a:solidFill>
                 <a:latin typeface="微軟正黑體" pitchFamily="34" charset="-120"/>
                 <a:ea typeface="微軟正黑體" pitchFamily="34" charset="-120"/>
               </a:rPr>
-              <a:t>頌讚你 哈利路亞</a:t>
-            </a:r>
-            <a:endParaRPr lang="zh-TW" altLang="en-US" b="1" dirty="0">
-              <a:solidFill>
-                <a:srgbClr val="002060"/>
-              </a:solidFill>
-              <a:latin typeface="微軟正黑體" pitchFamily="34" charset="-120"/>
-              <a:ea typeface="微軟正黑體" pitchFamily="34" charset="-120"/>
-            </a:endParaRPr>
-          </a:p>
-        </p:txBody>
-      </p:sp>
-      <p:sp>
-        <p:nvSpPr>
-          <p:cNvPr id="3" name="內容版面配置區 2"/>
-          <p:cNvSpPr>
-            <a:spLocks noGrp="1"/>
-          </p:cNvSpPr>
-          <p:nvPr>
-            <p:ph idx="1"/>
-          </p:nvPr>
-        </p:nvSpPr>
-        <p:spPr/>
-        <p:txBody>
-          <a:bodyPr>
-            <a:noAutofit/>
-          </a:bodyPr>
-          <a:lstStyle/>
+              <a:t>讓讚美聲跨千里</a:t>
+            </a:r>
+          </a:p>
           <a:p>
             <a:pPr algn="ctr">
               <a:buNone/>
             </a:pPr>
             <a:r>
-              <a:rPr lang="zh-TW" altLang="en-US" sz="5400" b="1" dirty="0" smtClean="0">
-                <a:solidFill>
-                  <a:srgbClr val="002060"/>
+              <a:rPr lang="zh-TW" altLang="en-US" sz="6400" b="1" dirty="0">
+                <a:solidFill>
+                  <a:srgbClr val="660033"/>
                 </a:solidFill>
                 <a:latin typeface="微軟正黑體" pitchFamily="34" charset="-120"/>
                 <a:ea typeface="微軟正黑體" pitchFamily="34" charset="-120"/>
               </a:rPr>
-              <a:t>頌讚你  哈利路亞</a:t>
-            </a:r>
-          </a:p>
-          <a:p>
-            <a:pPr algn="ctr">
-              <a:buNone/>
-            </a:pPr>
-            <a:r>
-              <a:rPr lang="zh-TW" altLang="en-US" sz="5400" b="1" dirty="0" smtClean="0">
-                <a:solidFill>
-                  <a:srgbClr val="002060"/>
+              <a:t>要唱唱唱莫</a:t>
+            </a:r>
+            <a:r>
+              <a:rPr lang="zh-TW" altLang="en-US" sz="6400" b="1" dirty="0">
+                <a:solidFill>
+                  <a:srgbClr val="660033"/>
                 </a:solidFill>
                 <a:latin typeface="微軟正黑體" pitchFamily="34" charset="-120"/>
                 <a:ea typeface="微軟正黑體" pitchFamily="34" charset="-120"/>
               </a:rPr>
-              <a:t>稱讚你  哈利路亞</a:t>
-            </a:r>
-          </a:p>
+              <a:t>停  哈</a:t>
+            </a:r>
+            <a:r>
+              <a:rPr lang="zh-TW" altLang="en-US" sz="6400" b="1" dirty="0">
+                <a:solidFill>
+                  <a:srgbClr val="660033"/>
+                </a:solidFill>
+                <a:latin typeface="微軟正黑體" pitchFamily="34" charset="-120"/>
+                <a:ea typeface="微軟正黑體" pitchFamily="34" charset="-120"/>
+              </a:rPr>
+              <a:t>利路亞</a:t>
+            </a:r>
+          </a:p>
+        </p:txBody>
+      </p:sp>
+    </p:spTree>
+    <p:extLst>
+      <p:ext uri="{BB962C8B-B14F-4D97-AF65-F5344CB8AC3E}">
+        <p14:creationId xmlns:p14="http://schemas.microsoft.com/office/powerpoint/2010/main" val="1958326347"/>
+      </p:ext>
+    </p:extLst>
+  </p:cSld>
+  <p:clrMapOvr>
+    <a:masterClrMapping/>
+  </p:clrMapOvr>
+</p:sld>
+</file>
+
+<file path=ppt/slides/slide4.xml><?xml version="1.0" encoding="utf-8"?>
+<p:sld xmlns:a="http://schemas.openxmlformats.org/drawingml/2006/main" xmlns:r="http://schemas.openxmlformats.org/officeDocument/2006/relationships" xmlns:p="http://schemas.openxmlformats.org/presentationml/2006/main">
+  <p:cSld>
+    <p:spTree>
+      <p:nvGrpSpPr>
+        <p:cNvPr id="1" name=""/>
+        <p:cNvGrpSpPr/>
+        <p:nvPr/>
+      </p:nvGrpSpPr>
+      <p:grpSpPr>
+        <a:xfrm>
+          <a:off x="0" y="0"/>
+          <a:ext cx="0" cy="0"/>
+          <a:chOff x="0" y="0"/>
+          <a:chExt cx="0" cy="0"/>
+        </a:xfrm>
+      </p:grpSpPr>
+      <p:sp>
+        <p:nvSpPr>
+          <p:cNvPr id="5" name="內容版面配置區 4"/>
+          <p:cNvSpPr>
+            <a:spLocks noGrp="1"/>
+          </p:cNvSpPr>
+          <p:nvPr>
+            <p:ph idx="1"/>
+          </p:nvPr>
+        </p:nvSpPr>
+        <p:spPr>
+          <a:xfrm>
+            <a:off x="0" y="2084851"/>
+            <a:ext cx="12192000" cy="2404863"/>
+          </a:xfrm>
+        </p:spPr>
+        <p:txBody>
+          <a:bodyPr anchor="ctr">
+            <a:normAutofit/>
+          </a:bodyPr>
+          <a:lstStyle/>
           <a:p>
             <a:pPr algn="ctr">
               <a:buNone/>
             </a:pPr>
             <a:r>
-              <a:rPr lang="zh-TW" altLang="en-US" sz="5400" b="1" dirty="0" smtClean="0">
-                <a:solidFill>
-                  <a:srgbClr val="002060"/>
+              <a:rPr lang="zh-TW" altLang="en-US" sz="6400" b="1" dirty="0">
+                <a:solidFill>
+                  <a:srgbClr val="660033"/>
+                </a:solidFill>
+                <a:latin typeface="微軟正黑體" pitchFamily="34" charset="-120"/>
+                <a:ea typeface="微軟正黑體" pitchFamily="34" charset="-120"/>
+              </a:rPr>
+              <a:t>頌</a:t>
+            </a:r>
+            <a:r>
+              <a:rPr lang="zh-TW" altLang="en-US" sz="6400" b="1" dirty="0">
+                <a:solidFill>
+                  <a:srgbClr val="660033"/>
+                </a:solidFill>
+                <a:latin typeface="微軟正黑體" pitchFamily="34" charset="-120"/>
+                <a:ea typeface="微軟正黑體" pitchFamily="34" charset="-120"/>
+              </a:rPr>
+              <a:t>讚</a:t>
+            </a:r>
+            <a:r>
+              <a:rPr lang="zh-CN" altLang="en-US" sz="6400" b="1" dirty="0">
+                <a:solidFill>
+                  <a:srgbClr val="660033"/>
+                </a:solidFill>
+                <a:latin typeface="微軟正黑體" pitchFamily="34" charset="-120"/>
+                <a:ea typeface="微軟正黑體" pitchFamily="34" charset="-120"/>
+              </a:rPr>
+              <a:t>袮</a:t>
+            </a:r>
+            <a:r>
+              <a:rPr lang="zh-TW" altLang="en-US" sz="6400" b="1" dirty="0">
+                <a:solidFill>
+                  <a:srgbClr val="660033"/>
+                </a:solidFill>
+                <a:latin typeface="微軟正黑體" pitchFamily="34" charset="-120"/>
+                <a:ea typeface="微軟正黑體" pitchFamily="34" charset="-120"/>
+              </a:rPr>
+              <a:t>  </a:t>
+            </a:r>
+            <a:r>
+              <a:rPr lang="zh-TW" altLang="en-US" sz="6400" b="1" dirty="0">
+                <a:solidFill>
+                  <a:srgbClr val="660033"/>
                 </a:solidFill>
                 <a:latin typeface="微軟正黑體" pitchFamily="34" charset="-120"/>
                 <a:ea typeface="微軟正黑體" pitchFamily="34" charset="-120"/>
               </a:rPr>
               <a:t>哈利路亞</a:t>
             </a:r>
-            <a:r>
-              <a:rPr lang="en-US" sz="5400" b="1" dirty="0" smtClean="0">
-                <a:solidFill>
-                  <a:srgbClr val="002060"/>
+          </a:p>
+          <a:p>
+            <a:pPr algn="ctr">
+              <a:buNone/>
+            </a:pPr>
+            <a:r>
+              <a:rPr lang="zh-TW" altLang="en-US" sz="6400" b="1" dirty="0">
+                <a:solidFill>
+                  <a:srgbClr val="660033"/>
                 </a:solidFill>
                 <a:latin typeface="微軟正黑體" pitchFamily="34" charset="-120"/>
                 <a:ea typeface="微軟正黑體" pitchFamily="34" charset="-120"/>
               </a:rPr>
-              <a:t>  </a:t>
-            </a:r>
-            <a:r>
-              <a:rPr lang="zh-TW" altLang="en-US" sz="5400" b="1" dirty="0" smtClean="0">
-                <a:solidFill>
-                  <a:srgbClr val="002060"/>
+              <a:t>稱</a:t>
+            </a:r>
+            <a:r>
+              <a:rPr lang="zh-TW" altLang="en-US" sz="6400" b="1" dirty="0">
+                <a:solidFill>
+                  <a:srgbClr val="660033"/>
+                </a:solidFill>
+                <a:latin typeface="微軟正黑體" pitchFamily="34" charset="-120"/>
+                <a:ea typeface="微軟正黑體" pitchFamily="34" charset="-120"/>
+              </a:rPr>
+              <a:t>讚</a:t>
+            </a:r>
+            <a:r>
+              <a:rPr lang="zh-CN" altLang="en-US" sz="6400" b="1" dirty="0">
+                <a:solidFill>
+                  <a:srgbClr val="660033"/>
+                </a:solidFill>
+                <a:latin typeface="微軟正黑體" pitchFamily="34" charset="-120"/>
+                <a:ea typeface="微軟正黑體" pitchFamily="34" charset="-120"/>
+              </a:rPr>
+              <a:t>袮  </a:t>
+            </a:r>
+            <a:r>
+              <a:rPr lang="zh-TW" altLang="en-US" sz="6400" b="1" dirty="0">
+                <a:solidFill>
+                  <a:srgbClr val="660033"/>
+                </a:solidFill>
+                <a:latin typeface="微軟正黑體" pitchFamily="34" charset="-120"/>
+                <a:ea typeface="微軟正黑體" pitchFamily="34" charset="-120"/>
+              </a:rPr>
+              <a:t>哈</a:t>
+            </a:r>
+            <a:r>
+              <a:rPr lang="zh-TW" altLang="en-US" sz="6400" b="1" dirty="0">
+                <a:solidFill>
+                  <a:srgbClr val="660033"/>
+                </a:solidFill>
+                <a:latin typeface="微軟正黑體" pitchFamily="34" charset="-120"/>
+                <a:ea typeface="微軟正黑體" pitchFamily="34" charset="-120"/>
+              </a:rPr>
+              <a:t>利路</a:t>
+            </a:r>
+            <a:r>
+              <a:rPr lang="zh-TW" altLang="en-US" sz="6400" b="1" dirty="0">
+                <a:solidFill>
+                  <a:srgbClr val="660033"/>
+                </a:solidFill>
+                <a:latin typeface="微軟正黑體" pitchFamily="34" charset="-120"/>
+                <a:ea typeface="微軟正黑體" pitchFamily="34" charset="-120"/>
+              </a:rPr>
+              <a:t>亞  哈</a:t>
+            </a:r>
+            <a:r>
+              <a:rPr lang="zh-TW" altLang="en-US" sz="6400" b="1" dirty="0">
+                <a:solidFill>
+                  <a:srgbClr val="660033"/>
+                </a:solidFill>
+                <a:latin typeface="微軟正黑體" pitchFamily="34" charset="-120"/>
+                <a:ea typeface="微軟正黑體" pitchFamily="34" charset="-120"/>
+              </a:rPr>
+              <a:t>利路亞</a:t>
+            </a:r>
+          </a:p>
+        </p:txBody>
+      </p:sp>
+      <p:sp>
+        <p:nvSpPr>
+          <p:cNvPr id="2" name="TextBox 1"/>
+          <p:cNvSpPr txBox="1"/>
+          <p:nvPr/>
+        </p:nvSpPr>
+        <p:spPr>
+          <a:xfrm>
+            <a:off x="4751851" y="5253204"/>
+            <a:ext cx="2688299" cy="995209"/>
+          </a:xfrm>
+          <a:prstGeom prst="rect">
+            <a:avLst/>
+          </a:prstGeom>
+          <a:noFill/>
+        </p:spPr>
+        <p:txBody>
+          <a:bodyPr wrap="square" rtlCol="0">
+            <a:spAutoFit/>
+          </a:bodyPr>
+          <a:lstStyle/>
+          <a:p>
+            <a:r>
+              <a:rPr lang="zh-TW" altLang="en-US" sz="5867" b="1" dirty="0">
+                <a:solidFill>
+                  <a:srgbClr val="660033"/>
                 </a:solidFill>
                 <a:latin typeface="微軟正黑體" pitchFamily="34" charset="-120"/>
                 <a:ea typeface="微軟正黑體" pitchFamily="34" charset="-120"/>
@@ -3438,9 +3602,9 @@
               <a:t>（</a:t>
             </a:r>
             <a:r>
-              <a:rPr lang="en-US" altLang="zh-TW" sz="5400" b="1" dirty="0" smtClean="0">
-                <a:solidFill>
-                  <a:srgbClr val="002060"/>
+              <a:rPr lang="en-US" altLang="zh-TW" sz="5867" b="1" dirty="0">
+                <a:solidFill>
+                  <a:srgbClr val="660033"/>
                 </a:solidFill>
                 <a:latin typeface="微軟正黑體" pitchFamily="34" charset="-120"/>
                 <a:ea typeface="微軟正黑體" pitchFamily="34" charset="-120"/>
@@ -3448,9 +3612,9 @@
               <a:t>×</a:t>
             </a:r>
             <a:r>
-              <a:rPr lang="en-US" sz="5400" b="1" dirty="0" smtClean="0">
-                <a:solidFill>
-                  <a:srgbClr val="002060"/>
+              <a:rPr lang="en-US" sz="5867" b="1" dirty="0">
+                <a:solidFill>
+                  <a:srgbClr val="660033"/>
                 </a:solidFill>
                 <a:latin typeface="微軟正黑體" pitchFamily="34" charset="-120"/>
                 <a:ea typeface="微軟正黑體" pitchFamily="34" charset="-120"/>
@@ -3458,19 +3622,29 @@
               <a:t>2</a:t>
             </a:r>
             <a:r>
-              <a:rPr lang="zh-TW" altLang="en-US" sz="5400" b="1" dirty="0" smtClean="0">
-                <a:solidFill>
-                  <a:srgbClr val="002060"/>
+              <a:rPr lang="zh-TW" altLang="en-US" sz="5867" b="1" dirty="0">
+                <a:solidFill>
+                  <a:srgbClr val="660033"/>
                 </a:solidFill>
                 <a:latin typeface="微軟正黑體" pitchFamily="34" charset="-120"/>
                 <a:ea typeface="微軟正黑體" pitchFamily="34" charset="-120"/>
               </a:rPr>
               <a:t>）</a:t>
             </a:r>
+            <a:endParaRPr lang="vi-VN" sz="5867" dirty="0">
+              <a:solidFill>
+                <a:srgbClr val="660033"/>
+              </a:solidFill>
+            </a:endParaRPr>
           </a:p>
         </p:txBody>
       </p:sp>
     </p:spTree>
+    <p:extLst>
+      <p:ext uri="{BB962C8B-B14F-4D97-AF65-F5344CB8AC3E}">
+        <p14:creationId xmlns:p14="http://schemas.microsoft.com/office/powerpoint/2010/main" val="3716520682"/>
+      </p:ext>
+    </p:extLst>
   </p:cSld>
   <p:clrMapOvr>
     <a:masterClrMapping/>

--- a/頌讚你哈利路亞.pptx
+++ b/頌讚你哈利路亞.pptx
@@ -5,10 +5,10 @@
     <p:sldMasterId id="2147483672" r:id="rId1"/>
   </p:sldMasterIdLst>
   <p:sldIdLst>
-    <p:sldId id="256" r:id="rId2"/>
-    <p:sldId id="257" r:id="rId3"/>
-    <p:sldId id="258" r:id="rId4"/>
-    <p:sldId id="259" r:id="rId5"/>
+    <p:sldId id="260" r:id="rId2"/>
+    <p:sldId id="261" r:id="rId3"/>
+    <p:sldId id="262" r:id="rId4"/>
+    <p:sldId id="263" r:id="rId5"/>
   </p:sldIdLst>
   <p:sldSz cx="12192000" cy="6858000"/>
   <p:notesSz cx="6858000" cy="9144000"/>
@@ -308,7 +308,7 @@
             <a:fld id="{B235E853-9233-4ECB-AA3F-F9C5E9CFBDB1}" type="datetimeFigureOut">
               <a:rPr lang="zh-TW" altLang="en-US" smtClean="0"/>
               <a:pPr/>
-              <a:t>2020/11/20</a:t>
+              <a:t>2022/1/7</a:t>
             </a:fld>
             <a:endParaRPr lang="zh-TW" altLang="en-US"/>
           </a:p>
@@ -475,7 +475,7 @@
             <a:fld id="{B235E853-9233-4ECB-AA3F-F9C5E9CFBDB1}" type="datetimeFigureOut">
               <a:rPr lang="zh-TW" altLang="en-US" smtClean="0"/>
               <a:pPr/>
-              <a:t>2020/11/20</a:t>
+              <a:t>2022/1/7</a:t>
             </a:fld>
             <a:endParaRPr lang="zh-TW" altLang="en-US"/>
           </a:p>
@@ -652,7 +652,7 @@
             <a:fld id="{B235E853-9233-4ECB-AA3F-F9C5E9CFBDB1}" type="datetimeFigureOut">
               <a:rPr lang="zh-TW" altLang="en-US" smtClean="0"/>
               <a:pPr/>
-              <a:t>2020/11/20</a:t>
+              <a:t>2022/1/7</a:t>
             </a:fld>
             <a:endParaRPr lang="zh-TW" altLang="en-US"/>
           </a:p>
@@ -819,7 +819,7 @@
             <a:fld id="{B235E853-9233-4ECB-AA3F-F9C5E9CFBDB1}" type="datetimeFigureOut">
               <a:rPr lang="zh-TW" altLang="en-US" smtClean="0"/>
               <a:pPr/>
-              <a:t>2020/11/20</a:t>
+              <a:t>2022/1/7</a:t>
             </a:fld>
             <a:endParaRPr lang="zh-TW" altLang="en-US"/>
           </a:p>
@@ -1062,7 +1062,7 @@
             <a:fld id="{B235E853-9233-4ECB-AA3F-F9C5E9CFBDB1}" type="datetimeFigureOut">
               <a:rPr lang="zh-TW" altLang="en-US" smtClean="0"/>
               <a:pPr/>
-              <a:t>2020/11/20</a:t>
+              <a:t>2022/1/7</a:t>
             </a:fld>
             <a:endParaRPr lang="zh-TW" altLang="en-US"/>
           </a:p>
@@ -1347,7 +1347,7 @@
             <a:fld id="{B235E853-9233-4ECB-AA3F-F9C5E9CFBDB1}" type="datetimeFigureOut">
               <a:rPr lang="zh-TW" altLang="en-US" smtClean="0"/>
               <a:pPr/>
-              <a:t>2020/11/20</a:t>
+              <a:t>2022/1/7</a:t>
             </a:fld>
             <a:endParaRPr lang="zh-TW" altLang="en-US"/>
           </a:p>
@@ -1766,7 +1766,7 @@
             <a:fld id="{B235E853-9233-4ECB-AA3F-F9C5E9CFBDB1}" type="datetimeFigureOut">
               <a:rPr lang="zh-TW" altLang="en-US" smtClean="0"/>
               <a:pPr/>
-              <a:t>2020/11/20</a:t>
+              <a:t>2022/1/7</a:t>
             </a:fld>
             <a:endParaRPr lang="zh-TW" altLang="en-US"/>
           </a:p>
@@ -1881,7 +1881,7 @@
             <a:fld id="{B235E853-9233-4ECB-AA3F-F9C5E9CFBDB1}" type="datetimeFigureOut">
               <a:rPr lang="zh-TW" altLang="en-US" smtClean="0"/>
               <a:pPr/>
-              <a:t>2020/11/20</a:t>
+              <a:t>2022/1/7</a:t>
             </a:fld>
             <a:endParaRPr lang="zh-TW" altLang="en-US"/>
           </a:p>
@@ -1973,7 +1973,7 @@
             <a:fld id="{B235E853-9233-4ECB-AA3F-F9C5E9CFBDB1}" type="datetimeFigureOut">
               <a:rPr lang="zh-TW" altLang="en-US" smtClean="0"/>
               <a:pPr/>
-              <a:t>2020/11/20</a:t>
+              <a:t>2022/1/7</a:t>
             </a:fld>
             <a:endParaRPr lang="zh-TW" altLang="en-US"/>
           </a:p>
@@ -2247,7 +2247,7 @@
             <a:fld id="{B235E853-9233-4ECB-AA3F-F9C5E9CFBDB1}" type="datetimeFigureOut">
               <a:rPr lang="zh-TW" altLang="en-US" smtClean="0"/>
               <a:pPr/>
-              <a:t>2020/11/20</a:t>
+              <a:t>2022/1/7</a:t>
             </a:fld>
             <a:endParaRPr lang="zh-TW" altLang="en-US"/>
           </a:p>
@@ -2501,7 +2501,7 @@
             <a:fld id="{B235E853-9233-4ECB-AA3F-F9C5E9CFBDB1}" type="datetimeFigureOut">
               <a:rPr lang="zh-TW" altLang="en-US" smtClean="0"/>
               <a:pPr/>
-              <a:t>2020/11/20</a:t>
+              <a:t>2022/1/7</a:t>
             </a:fld>
             <a:endParaRPr lang="zh-TW" altLang="en-US"/>
           </a:p>
@@ -2716,7 +2716,7 @@
             <a:fld id="{B235E853-9233-4ECB-AA3F-F9C5E9CFBDB1}" type="datetimeFigureOut">
               <a:rPr lang="zh-TW" altLang="en-US" smtClean="0"/>
               <a:pPr/>
-              <a:t>2020/11/20</a:t>
+              <a:t>2022/1/7</a:t>
             </a:fld>
             <a:endParaRPr lang="zh-TW" altLang="en-US"/>
           </a:p>
@@ -3099,7 +3099,7 @@
         </p:nvSpPr>
         <p:spPr>
           <a:xfrm>
-            <a:off x="0" y="2857513"/>
+            <a:off x="22357" y="2660915"/>
             <a:ext cx="12192000" cy="1143000"/>
           </a:xfrm>
         </p:spPr>
@@ -3158,32 +3158,29 @@
                 <a:latin typeface="微軟正黑體" pitchFamily="34" charset="-120"/>
                 <a:ea typeface="微軟正黑體" pitchFamily="34" charset="-120"/>
               </a:rPr>
-              <a:t> </a:t>
-            </a:r>
-            <a:r>
-              <a:rPr lang="zh-TW" altLang="en-US" sz="7200" b="1" i="1" dirty="0">
-                <a:solidFill>
-                  <a:srgbClr val="660033"/>
-                </a:solidFill>
-                <a:effectLst>
-                  <a:outerShdw blurRad="38100" dist="38100" dir="2700000" algn="tl">
-                    <a:srgbClr val="000000">
-                      <a:alpha val="43137"/>
-                    </a:srgbClr>
-                  </a:outerShdw>
-                </a:effectLst>
-                <a:latin typeface="微軟正黑體" pitchFamily="34" charset="-120"/>
-                <a:ea typeface="微軟正黑體" pitchFamily="34" charset="-120"/>
-              </a:rPr>
-              <a:t>哈利路亞</a:t>
-            </a:r>
+              <a:t> 哈利路亞</a:t>
+            </a:r>
+            <a:endParaRPr lang="zh-TW" altLang="en-US" sz="7200" b="1" i="1" dirty="0">
+              <a:solidFill>
+                <a:srgbClr val="660033"/>
+              </a:solidFill>
+              <a:effectLst>
+                <a:outerShdw blurRad="38100" dist="38100" dir="2700000" algn="tl">
+                  <a:srgbClr val="000000">
+                    <a:alpha val="43137"/>
+                  </a:srgbClr>
+                </a:outerShdw>
+              </a:effectLst>
+              <a:latin typeface="微軟正黑體" pitchFamily="34" charset="-120"/>
+              <a:ea typeface="微軟正黑體" pitchFamily="34" charset="-120"/>
+            </a:endParaRPr>
           </a:p>
         </p:txBody>
       </p:sp>
     </p:spTree>
     <p:extLst>
       <p:ext uri="{BB962C8B-B14F-4D97-AF65-F5344CB8AC3E}">
-        <p14:creationId xmlns:p14="http://schemas.microsoft.com/office/powerpoint/2010/main" val="1998908706"/>
+        <p14:creationId xmlns:p14="http://schemas.microsoft.com/office/powerpoint/2010/main" val="3947312455"/>
       </p:ext>
     </p:extLst>
   </p:cSld>
@@ -3232,7 +3229,7 @@
           </a:bodyPr>
           <a:lstStyle/>
           <a:p>
-            <a:pPr algn="ctr">
+            <a:pPr marL="0" indent="0" algn="ctr">
               <a:buNone/>
             </a:pPr>
             <a:r>
@@ -3243,7 +3240,7 @@
                 <a:latin typeface="微軟正黑體" pitchFamily="34" charset="-120"/>
                 <a:ea typeface="微軟正黑體" pitchFamily="34" charset="-120"/>
               </a:rPr>
-              <a:t>感激基督帶</a:t>
+              <a:t>感</a:t>
             </a:r>
             <a:r>
               <a:rPr lang="zh-TW" altLang="en-US" sz="6400" b="1" dirty="0">
@@ -3253,7 +3250,7 @@
                 <a:latin typeface="微軟正黑體" pitchFamily="34" charset="-120"/>
                 <a:ea typeface="微軟正黑體" pitchFamily="34" charset="-120"/>
               </a:rPr>
-              <a:t>領  恩</a:t>
+              <a:t>激基督帶</a:t>
             </a:r>
             <a:r>
               <a:rPr lang="zh-TW" altLang="en-US" sz="6400" b="1" dirty="0">
@@ -3263,13 +3260,8 @@
                 <a:latin typeface="微軟正黑體" pitchFamily="34" charset="-120"/>
                 <a:ea typeface="微軟正黑體" pitchFamily="34" charset="-120"/>
               </a:rPr>
-              <a:t>典賜予我未停</a:t>
-            </a:r>
-          </a:p>
-          <a:p>
-            <a:pPr algn="ctr">
-              <a:buNone/>
-            </a:pPr>
+              <a:t>領   恩</a:t>
+            </a:r>
             <a:r>
               <a:rPr lang="zh-TW" altLang="en-US" sz="6400" b="1" dirty="0">
                 <a:solidFill>
@@ -3278,15 +3270,134 @@
                 <a:latin typeface="微軟正黑體" pitchFamily="34" charset="-120"/>
                 <a:ea typeface="微軟正黑體" pitchFamily="34" charset="-120"/>
               </a:rPr>
-              <a:t>日日服事主  我心歡喜</a:t>
-            </a:r>
+              <a:t>典賜予我未</a:t>
+            </a:r>
+            <a:r>
+              <a:rPr lang="zh-TW" altLang="en-US" sz="6400" b="1" dirty="0">
+                <a:solidFill>
+                  <a:srgbClr val="660033"/>
+                </a:solidFill>
+                <a:latin typeface="微軟正黑體" pitchFamily="34" charset="-120"/>
+                <a:ea typeface="微軟正黑體" pitchFamily="34" charset="-120"/>
+              </a:rPr>
+              <a:t>停</a:t>
+            </a:r>
+            <a:endParaRPr lang="en-US" altLang="zh-TW" sz="6400" b="1" dirty="0">
+              <a:solidFill>
+                <a:srgbClr val="660033"/>
+              </a:solidFill>
+              <a:latin typeface="微軟正黑體" pitchFamily="34" charset="-120"/>
+              <a:ea typeface="微軟正黑體" pitchFamily="34" charset="-120"/>
+            </a:endParaRPr>
+          </a:p>
+          <a:p>
+            <a:pPr marL="0" indent="0" algn="ctr">
+              <a:buNone/>
+            </a:pPr>
+            <a:r>
+              <a:rPr lang="zh-TW" altLang="en-US" sz="6400" b="1" dirty="0">
+                <a:solidFill>
+                  <a:srgbClr val="660033"/>
+                </a:solidFill>
+                <a:latin typeface="微軟正黑體" pitchFamily="34" charset="-120"/>
+                <a:ea typeface="微軟正黑體" pitchFamily="34" charset="-120"/>
+              </a:rPr>
+              <a:t>日</a:t>
+            </a:r>
+            <a:r>
+              <a:rPr lang="zh-TW" altLang="en-US" sz="6400" b="1" dirty="0">
+                <a:solidFill>
+                  <a:srgbClr val="660033"/>
+                </a:solidFill>
+                <a:latin typeface="微軟正黑體" pitchFamily="34" charset="-120"/>
+                <a:ea typeface="微軟正黑體" pitchFamily="34" charset="-120"/>
+              </a:rPr>
+              <a:t>日服事主我心歡喜</a:t>
+            </a:r>
+          </a:p>
+        </p:txBody>
+      </p:sp>
+      <p:sp>
+        <p:nvSpPr>
+          <p:cNvPr id="3" name="TextBox 2"/>
+          <p:cNvSpPr txBox="1"/>
+          <p:nvPr/>
+        </p:nvSpPr>
+        <p:spPr>
+          <a:xfrm>
+            <a:off x="0" y="5061183"/>
+            <a:ext cx="12192000" cy="830997"/>
+          </a:xfrm>
+          <a:prstGeom prst="rect">
+            <a:avLst/>
+          </a:prstGeom>
+          <a:noFill/>
+        </p:spPr>
+        <p:txBody>
+          <a:bodyPr wrap="square" rtlCol="0">
+            <a:spAutoFit/>
+          </a:bodyPr>
+          <a:lstStyle/>
+          <a:p>
+            <a:pPr algn="ctr"/>
+            <a:r>
+              <a:rPr lang="en-US" sz="4800" b="1" dirty="0">
+                <a:solidFill>
+                  <a:srgbClr val="660033"/>
+                </a:solidFill>
+                <a:effectLst/>
+                <a:latin typeface="Microsoft JhengHei" panose="020B0604030504040204" pitchFamily="34" charset="-120"/>
+                <a:ea typeface="Microsoft JhengHei" panose="020B0604030504040204" pitchFamily="34" charset="-120"/>
+              </a:rPr>
+              <a:t>( </a:t>
+            </a:r>
+            <a:r>
+              <a:rPr lang="zh-CN" altLang="en-US" sz="4800" b="1" dirty="0">
+                <a:solidFill>
+                  <a:srgbClr val="660033"/>
+                </a:solidFill>
+                <a:effectLst/>
+                <a:latin typeface="Microsoft JhengHei" panose="020B0604030504040204" pitchFamily="34" charset="-120"/>
+                <a:ea typeface="Microsoft JhengHei" panose="020B0604030504040204" pitchFamily="34" charset="-120"/>
+              </a:rPr>
+              <a:t>正</a:t>
+            </a:r>
+            <a:r>
+              <a:rPr lang="en-US" sz="4800" b="1" dirty="0">
+                <a:solidFill>
+                  <a:srgbClr val="660033"/>
+                </a:solidFill>
+                <a:effectLst/>
+                <a:latin typeface="Microsoft JhengHei" panose="020B0604030504040204" pitchFamily="34" charset="-120"/>
+                <a:ea typeface="Microsoft JhengHei" panose="020B0604030504040204" pitchFamily="34" charset="-120"/>
+              </a:rPr>
+              <a:t> </a:t>
+            </a:r>
+            <a:r>
+              <a:rPr lang="en-US" sz="4800" b="1" dirty="0">
+                <a:solidFill>
+                  <a:srgbClr val="660033"/>
+                </a:solidFill>
+                <a:effectLst/>
+                <a:latin typeface="Microsoft JhengHei" panose="020B0604030504040204" pitchFamily="34" charset="-120"/>
+                <a:ea typeface="Microsoft JhengHei" panose="020B0604030504040204" pitchFamily="34" charset="-120"/>
+              </a:rPr>
+              <a:t>)</a:t>
+            </a:r>
+            <a:endParaRPr lang="vi-VN" sz="4800" b="1" dirty="0">
+              <a:solidFill>
+                <a:srgbClr val="660033"/>
+              </a:solidFill>
+              <a:effectLst/>
+              <a:ea typeface="Microsoft JhengHei" panose="020B0604030504040204" pitchFamily="34" charset="-120"/>
+            </a:endParaRPr>
           </a:p>
         </p:txBody>
       </p:sp>
     </p:spTree>
     <p:extLst>
       <p:ext uri="{BB962C8B-B14F-4D97-AF65-F5344CB8AC3E}">
-        <p14:creationId xmlns:p14="http://schemas.microsoft.com/office/powerpoint/2010/main" val="4246779582"/>
+        <p14:creationId xmlns:p14="http://schemas.microsoft.com/office/powerpoint/2010/main" val="3804284260"/>
       </p:ext>
     </p:extLst>
   </p:cSld>
@@ -3335,7 +3446,7 @@
           </a:bodyPr>
           <a:lstStyle/>
           <a:p>
-            <a:pPr algn="ctr">
+            <a:pPr marL="0" indent="0" algn="ctr">
               <a:buNone/>
             </a:pPr>
             <a:r>
@@ -3346,13 +3457,8 @@
                 <a:latin typeface="微軟正黑體" pitchFamily="34" charset="-120"/>
                 <a:ea typeface="微軟正黑體" pitchFamily="34" charset="-120"/>
               </a:rPr>
-              <a:t>讓讚美聲跨千里</a:t>
-            </a:r>
-          </a:p>
-          <a:p>
-            <a:pPr algn="ctr">
-              <a:buNone/>
-            </a:pPr>
+              <a:t>讓讚美聲跨千</a:t>
+            </a:r>
             <a:r>
               <a:rPr lang="zh-TW" altLang="en-US" sz="6400" b="1" dirty="0">
                 <a:solidFill>
@@ -3361,8 +3467,20 @@
                 <a:latin typeface="微軟正黑體" pitchFamily="34" charset="-120"/>
                 <a:ea typeface="微軟正黑體" pitchFamily="34" charset="-120"/>
               </a:rPr>
-              <a:t>要唱唱唱莫</a:t>
-            </a:r>
+              <a:t>里</a:t>
+            </a:r>
+            <a:endParaRPr lang="en-US" altLang="zh-TW" sz="6400" b="1" dirty="0">
+              <a:solidFill>
+                <a:srgbClr val="660033"/>
+              </a:solidFill>
+              <a:latin typeface="微軟正黑體" pitchFamily="34" charset="-120"/>
+              <a:ea typeface="微軟正黑體" pitchFamily="34" charset="-120"/>
+            </a:endParaRPr>
+          </a:p>
+          <a:p>
+            <a:pPr marL="0" indent="0" algn="ctr">
+              <a:buNone/>
+            </a:pPr>
             <a:r>
               <a:rPr lang="zh-TW" altLang="en-US" sz="6400" b="1" dirty="0">
                 <a:solidFill>
@@ -3371,7 +3489,27 @@
                 <a:latin typeface="微軟正黑體" pitchFamily="34" charset="-120"/>
                 <a:ea typeface="微軟正黑體" pitchFamily="34" charset="-120"/>
               </a:rPr>
-              <a:t>停  哈</a:t>
+              <a:t>要</a:t>
+            </a:r>
+            <a:r>
+              <a:rPr lang="zh-TW" altLang="en-US" sz="6400" b="1" dirty="0">
+                <a:solidFill>
+                  <a:srgbClr val="660033"/>
+                </a:solidFill>
+                <a:latin typeface="微軟正黑體" pitchFamily="34" charset="-120"/>
+                <a:ea typeface="微軟正黑體" pitchFamily="34" charset="-120"/>
+              </a:rPr>
+              <a:t>唱唱唱莫</a:t>
+            </a:r>
+            <a:r>
+              <a:rPr lang="zh-TW" altLang="en-US" sz="6400" b="1" dirty="0">
+                <a:solidFill>
+                  <a:srgbClr val="660033"/>
+                </a:solidFill>
+                <a:latin typeface="微軟正黑體" pitchFamily="34" charset="-120"/>
+                <a:ea typeface="微軟正黑體" pitchFamily="34" charset="-120"/>
+              </a:rPr>
+              <a:t>停   哈</a:t>
             </a:r>
             <a:r>
               <a:rPr lang="zh-TW" altLang="en-US" sz="6400" b="1" dirty="0">
@@ -3386,10 +3524,87 @@
           </a:p>
         </p:txBody>
       </p:sp>
+      <p:sp>
+        <p:nvSpPr>
+          <p:cNvPr id="3" name="TextBox 2"/>
+          <p:cNvSpPr txBox="1"/>
+          <p:nvPr/>
+        </p:nvSpPr>
+        <p:spPr>
+          <a:xfrm>
+            <a:off x="0" y="5061183"/>
+            <a:ext cx="12192000" cy="830997"/>
+          </a:xfrm>
+          <a:prstGeom prst="rect">
+            <a:avLst/>
+          </a:prstGeom>
+          <a:noFill/>
+        </p:spPr>
+        <p:txBody>
+          <a:bodyPr wrap="square" rtlCol="0">
+            <a:spAutoFit/>
+          </a:bodyPr>
+          <a:lstStyle/>
+          <a:p>
+            <a:pPr algn="ctr"/>
+            <a:r>
+              <a:rPr lang="en-US" sz="4800" b="1" dirty="0">
+                <a:solidFill>
+                  <a:srgbClr val="660033"/>
+                </a:solidFill>
+                <a:effectLst/>
+                <a:latin typeface="Microsoft JhengHei" panose="020B0604030504040204" pitchFamily="34" charset="-120"/>
+                <a:ea typeface="Microsoft JhengHei" panose="020B0604030504040204" pitchFamily="34" charset="-120"/>
+              </a:rPr>
+              <a:t>( </a:t>
+            </a:r>
+            <a:r>
+              <a:rPr lang="zh-CN" altLang="en-US" sz="4800" b="1" dirty="0">
+                <a:solidFill>
+                  <a:srgbClr val="660033"/>
+                </a:solidFill>
+                <a:effectLst/>
+                <a:latin typeface="Microsoft JhengHei" panose="020B0604030504040204" pitchFamily="34" charset="-120"/>
+                <a:ea typeface="Microsoft JhengHei" panose="020B0604030504040204" pitchFamily="34" charset="-120"/>
+              </a:rPr>
+              <a:t>正</a:t>
+            </a:r>
+            <a:r>
+              <a:rPr lang="en-US" sz="4800" b="1" dirty="0">
+                <a:solidFill>
+                  <a:srgbClr val="660033"/>
+                </a:solidFill>
+                <a:effectLst/>
+                <a:latin typeface="Microsoft JhengHei" panose="020B0604030504040204" pitchFamily="34" charset="-120"/>
+                <a:ea typeface="Microsoft JhengHei" panose="020B0604030504040204" pitchFamily="34" charset="-120"/>
+              </a:rPr>
+              <a:t> </a:t>
+            </a:r>
+            <a:r>
+              <a:rPr lang="en-US" sz="4800" b="1" dirty="0">
+                <a:solidFill>
+                  <a:srgbClr val="660033"/>
+                </a:solidFill>
+                <a:effectLst/>
+                <a:latin typeface="Microsoft JhengHei" panose="020B0604030504040204" pitchFamily="34" charset="-120"/>
+                <a:ea typeface="Microsoft JhengHei" panose="020B0604030504040204" pitchFamily="34" charset="-120"/>
+              </a:rPr>
+              <a:t>)</a:t>
+            </a:r>
+            <a:endParaRPr lang="vi-VN" sz="4800" b="1" dirty="0">
+              <a:solidFill>
+                <a:srgbClr val="660033"/>
+              </a:solidFill>
+              <a:effectLst/>
+              <a:ea typeface="Microsoft JhengHei" panose="020B0604030504040204" pitchFamily="34" charset="-120"/>
+            </a:endParaRPr>
+          </a:p>
+        </p:txBody>
+      </p:sp>
     </p:spTree>
     <p:extLst>
       <p:ext uri="{BB962C8B-B14F-4D97-AF65-F5344CB8AC3E}">
-        <p14:creationId xmlns:p14="http://schemas.microsoft.com/office/powerpoint/2010/main" val="1958326347"/>
+        <p14:creationId xmlns:p14="http://schemas.microsoft.com/office/powerpoint/2010/main" val="2042554462"/>
       </p:ext>
     </p:extLst>
   </p:cSld>
@@ -3438,7 +3653,7 @@
           </a:bodyPr>
           <a:lstStyle/>
           <a:p>
-            <a:pPr algn="ctr">
+            <a:pPr marL="0" indent="0" algn="ctr">
               <a:buNone/>
             </a:pPr>
             <a:r>
@@ -3479,7 +3694,7 @@
                 <a:latin typeface="微軟正黑體" pitchFamily="34" charset="-120"/>
                 <a:ea typeface="微軟正黑體" pitchFamily="34" charset="-120"/>
               </a:rPr>
-              <a:t>  </a:t>
+              <a:t>   哈</a:t>
             </a:r>
             <a:r>
               <a:rPr lang="zh-TW" altLang="en-US" sz="6400" b="1" dirty="0">
@@ -3489,11 +3704,28 @@
                 <a:latin typeface="微軟正黑體" pitchFamily="34" charset="-120"/>
                 <a:ea typeface="微軟正黑體" pitchFamily="34" charset="-120"/>
               </a:rPr>
-              <a:t>哈利路亞</a:t>
-            </a:r>
-          </a:p>
-          <a:p>
-            <a:pPr algn="ctr">
+              <a:t>利路</a:t>
+            </a:r>
+            <a:r>
+              <a:rPr lang="zh-TW" altLang="en-US" sz="6400" b="1" dirty="0">
+                <a:solidFill>
+                  <a:srgbClr val="660033"/>
+                </a:solidFill>
+                <a:latin typeface="微軟正黑體" pitchFamily="34" charset="-120"/>
+                <a:ea typeface="微軟正黑體" pitchFamily="34" charset="-120"/>
+              </a:rPr>
+              <a:t>亞</a:t>
+            </a:r>
+            <a:endParaRPr lang="zh-TW" altLang="en-US" sz="6400" b="1" dirty="0">
+              <a:solidFill>
+                <a:srgbClr val="660033"/>
+              </a:solidFill>
+              <a:latin typeface="微軟正黑體" pitchFamily="34" charset="-120"/>
+              <a:ea typeface="微軟正黑體" pitchFamily="34" charset="-120"/>
+            </a:endParaRPr>
+          </a:p>
+          <a:p>
+            <a:pPr marL="0" indent="0" algn="ctr">
               <a:buNone/>
             </a:pPr>
             <a:r>
@@ -3524,7 +3756,7 @@
                 <a:latin typeface="微軟正黑體" pitchFamily="34" charset="-120"/>
                 <a:ea typeface="微軟正黑體" pitchFamily="34" charset="-120"/>
               </a:rPr>
-              <a:t>袮  </a:t>
+              <a:t>袮   </a:t>
             </a:r>
             <a:r>
               <a:rPr lang="zh-TW" altLang="en-US" sz="6400" b="1" dirty="0">
@@ -3554,7 +3786,7 @@
                 <a:latin typeface="微軟正黑體" pitchFamily="34" charset="-120"/>
                 <a:ea typeface="微軟正黑體" pitchFamily="34" charset="-120"/>
               </a:rPr>
-              <a:t>亞  哈</a:t>
+              <a:t>亞   哈</a:t>
             </a:r>
             <a:r>
               <a:rPr lang="zh-TW" altLang="en-US" sz="6400" b="1" dirty="0">
@@ -3571,14 +3803,14 @@
       </p:sp>
       <p:sp>
         <p:nvSpPr>
-          <p:cNvPr id="2" name="TextBox 1"/>
+          <p:cNvPr id="3" name="TextBox 2"/>
           <p:cNvSpPr txBox="1"/>
           <p:nvPr/>
         </p:nvSpPr>
         <p:spPr>
           <a:xfrm>
-            <a:off x="4751851" y="5253204"/>
-            <a:ext cx="2688299" cy="995209"/>
+            <a:off x="0" y="5061183"/>
+            <a:ext cx="12192000" cy="830997"/>
           </a:xfrm>
           <a:prstGeom prst="rect">
             <a:avLst/>
@@ -3591,50 +3823,46 @@
           </a:bodyPr>
           <a:lstStyle/>
           <a:p>
-            <a:r>
-              <a:rPr lang="zh-TW" altLang="en-US" sz="5867" b="1" dirty="0">
+            <a:pPr algn="ctr"/>
+            <a:r>
+              <a:rPr lang="en-US" sz="4800" b="1" dirty="0">
                 <a:solidFill>
                   <a:srgbClr val="660033"/>
                 </a:solidFill>
-                <a:latin typeface="微軟正黑體" pitchFamily="34" charset="-120"/>
-                <a:ea typeface="微軟正黑體" pitchFamily="34" charset="-120"/>
+                <a:effectLst/>
+                <a:latin typeface="Microsoft JhengHei" panose="020B0604030504040204" pitchFamily="34" charset="-120"/>
+                <a:ea typeface="Microsoft JhengHei" panose="020B0604030504040204" pitchFamily="34" charset="-120"/>
               </a:rPr>
-              <a:t>（</a:t>
-            </a:r>
-            <a:r>
-              <a:rPr lang="en-US" altLang="zh-TW" sz="5867" b="1" dirty="0">
+              <a:t>( </a:t>
+            </a:r>
+            <a:r>
+              <a:rPr lang="zh-CN" altLang="en-US" sz="4800" b="1" dirty="0">
                 <a:solidFill>
                   <a:srgbClr val="660033"/>
                 </a:solidFill>
-                <a:latin typeface="微軟正黑體" pitchFamily="34" charset="-120"/>
-                <a:ea typeface="微軟正黑體" pitchFamily="34" charset="-120"/>
+                <a:effectLst/>
+                <a:latin typeface="Microsoft JhengHei" panose="020B0604030504040204" pitchFamily="34" charset="-120"/>
+                <a:ea typeface="Microsoft JhengHei" panose="020B0604030504040204" pitchFamily="34" charset="-120"/>
               </a:rPr>
-              <a:t>×</a:t>
-            </a:r>
-            <a:r>
-              <a:rPr lang="en-US" sz="5867" b="1" dirty="0">
+              <a:t>副</a:t>
+            </a:r>
+            <a:r>
+              <a:rPr lang="en-US" sz="4800" b="1" dirty="0">
                 <a:solidFill>
                   <a:srgbClr val="660033"/>
                 </a:solidFill>
-                <a:latin typeface="微軟正黑體" pitchFamily="34" charset="-120"/>
-                <a:ea typeface="微軟正黑體" pitchFamily="34" charset="-120"/>
+                <a:effectLst/>
+                <a:latin typeface="Microsoft JhengHei" panose="020B0604030504040204" pitchFamily="34" charset="-120"/>
+                <a:ea typeface="Microsoft JhengHei" panose="020B0604030504040204" pitchFamily="34" charset="-120"/>
               </a:rPr>
-              <a:t>2</a:t>
-            </a:r>
-            <a:r>
-              <a:rPr lang="zh-TW" altLang="en-US" sz="5867" b="1" dirty="0">
-                <a:solidFill>
-                  <a:srgbClr val="660033"/>
-                </a:solidFill>
-                <a:latin typeface="微軟正黑體" pitchFamily="34" charset="-120"/>
-                <a:ea typeface="微軟正黑體" pitchFamily="34" charset="-120"/>
-              </a:rPr>
-              <a:t>）</a:t>
-            </a:r>
-            <a:endParaRPr lang="vi-VN" sz="5867" dirty="0">
+              <a:t> )( x2 )</a:t>
+            </a:r>
+            <a:endParaRPr lang="vi-VN" sz="4800" b="1" dirty="0">
               <a:solidFill>
                 <a:srgbClr val="660033"/>
               </a:solidFill>
+              <a:effectLst/>
+              <a:ea typeface="Microsoft JhengHei" panose="020B0604030504040204" pitchFamily="34" charset="-120"/>
             </a:endParaRPr>
           </a:p>
         </p:txBody>
@@ -3642,7 +3870,7 @@
     </p:spTree>
     <p:extLst>
       <p:ext uri="{BB962C8B-B14F-4D97-AF65-F5344CB8AC3E}">
-        <p14:creationId xmlns:p14="http://schemas.microsoft.com/office/powerpoint/2010/main" val="3716520682"/>
+        <p14:creationId xmlns:p14="http://schemas.microsoft.com/office/powerpoint/2010/main" val="3359463634"/>
       </p:ext>
     </p:extLst>
   </p:cSld>

--- a/頌讚你哈利路亞.pptx
+++ b/頌讚你哈利路亞.pptx
@@ -164,10 +164,9 @@
           <a:lstStyle/>
           <a:p>
             <a:r>
-              <a:rPr lang="zh-TW" altLang="en-US" smtClean="0"/>
+              <a:rPr lang="zh-TW" altLang="en-US"/>
               <a:t>按一下以編輯母片標題樣式</a:t>
             </a:r>
-            <a:endParaRPr lang="zh-TW" altLang="en-US"/>
           </a:p>
         </p:txBody>
       </p:sp>
@@ -283,10 +282,9 @@
           </a:lstStyle>
           <a:p>
             <a:r>
-              <a:rPr lang="zh-TW" altLang="en-US" smtClean="0"/>
+              <a:rPr lang="zh-TW" altLang="en-US"/>
               <a:t>按一下以編輯母片副標題樣式</a:t>
             </a:r>
-            <a:endParaRPr lang="zh-TW" altLang="en-US"/>
           </a:p>
         </p:txBody>
       </p:sp>
@@ -308,7 +306,7 @@
             <a:fld id="{B235E853-9233-4ECB-AA3F-F9C5E9CFBDB1}" type="datetimeFigureOut">
               <a:rPr lang="zh-TW" altLang="en-US" smtClean="0"/>
               <a:pPr/>
-              <a:t>2022/1/7</a:t>
+              <a:t>2024/2/24</a:t>
             </a:fld>
             <a:endParaRPr lang="zh-TW" altLang="en-US"/>
           </a:p>
@@ -398,10 +396,9 @@
           <a:lstStyle/>
           <a:p>
             <a:r>
-              <a:rPr lang="zh-TW" altLang="en-US" smtClean="0"/>
+              <a:rPr lang="zh-TW" altLang="en-US"/>
               <a:t>按一下以編輯母片標題樣式</a:t>
             </a:r>
-            <a:endParaRPr lang="zh-TW" altLang="en-US"/>
           </a:p>
         </p:txBody>
       </p:sp>
@@ -422,38 +419,37 @@
           <a:p>
             <a:pPr lvl="0"/>
             <a:r>
-              <a:rPr lang="zh-TW" altLang="en-US" smtClean="0"/>
+              <a:rPr lang="zh-TW" altLang="en-US"/>
               <a:t>按一下以編輯母片文字樣式</a:t>
             </a:r>
           </a:p>
           <a:p>
             <a:pPr lvl="1"/>
             <a:r>
-              <a:rPr lang="zh-TW" altLang="en-US" smtClean="0"/>
+              <a:rPr lang="zh-TW" altLang="en-US"/>
               <a:t>第二層</a:t>
             </a:r>
           </a:p>
           <a:p>
             <a:pPr lvl="2"/>
             <a:r>
-              <a:rPr lang="zh-TW" altLang="en-US" smtClean="0"/>
+              <a:rPr lang="zh-TW" altLang="en-US"/>
               <a:t>第三層</a:t>
             </a:r>
           </a:p>
           <a:p>
             <a:pPr lvl="3"/>
             <a:r>
-              <a:rPr lang="zh-TW" altLang="en-US" smtClean="0"/>
+              <a:rPr lang="zh-TW" altLang="en-US"/>
               <a:t>第四層</a:t>
             </a:r>
           </a:p>
           <a:p>
             <a:pPr lvl="4"/>
             <a:r>
-              <a:rPr lang="zh-TW" altLang="en-US" smtClean="0"/>
+              <a:rPr lang="zh-TW" altLang="en-US"/>
               <a:t>第五層</a:t>
             </a:r>
-            <a:endParaRPr lang="zh-TW" altLang="en-US"/>
           </a:p>
         </p:txBody>
       </p:sp>
@@ -475,7 +471,7 @@
             <a:fld id="{B235E853-9233-4ECB-AA3F-F9C5E9CFBDB1}" type="datetimeFigureOut">
               <a:rPr lang="zh-TW" altLang="en-US" smtClean="0"/>
               <a:pPr/>
-              <a:t>2022/1/7</a:t>
+              <a:t>2024/2/24</a:t>
             </a:fld>
             <a:endParaRPr lang="zh-TW" altLang="en-US"/>
           </a:p>
@@ -570,10 +566,9 @@
           <a:lstStyle/>
           <a:p>
             <a:r>
-              <a:rPr lang="zh-TW" altLang="en-US" smtClean="0"/>
+              <a:rPr lang="zh-TW" altLang="en-US"/>
               <a:t>按一下以編輯母片標題樣式</a:t>
             </a:r>
-            <a:endParaRPr lang="zh-TW" altLang="en-US"/>
           </a:p>
         </p:txBody>
       </p:sp>
@@ -599,38 +594,37 @@
           <a:p>
             <a:pPr lvl="0"/>
             <a:r>
-              <a:rPr lang="zh-TW" altLang="en-US" smtClean="0"/>
+              <a:rPr lang="zh-TW" altLang="en-US"/>
               <a:t>按一下以編輯母片文字樣式</a:t>
             </a:r>
           </a:p>
           <a:p>
             <a:pPr lvl="1"/>
             <a:r>
-              <a:rPr lang="zh-TW" altLang="en-US" smtClean="0"/>
+              <a:rPr lang="zh-TW" altLang="en-US"/>
               <a:t>第二層</a:t>
             </a:r>
           </a:p>
           <a:p>
             <a:pPr lvl="2"/>
             <a:r>
-              <a:rPr lang="zh-TW" altLang="en-US" smtClean="0"/>
+              <a:rPr lang="zh-TW" altLang="en-US"/>
               <a:t>第三層</a:t>
             </a:r>
           </a:p>
           <a:p>
             <a:pPr lvl="3"/>
             <a:r>
-              <a:rPr lang="zh-TW" altLang="en-US" smtClean="0"/>
+              <a:rPr lang="zh-TW" altLang="en-US"/>
               <a:t>第四層</a:t>
             </a:r>
           </a:p>
           <a:p>
             <a:pPr lvl="4"/>
             <a:r>
-              <a:rPr lang="zh-TW" altLang="en-US" smtClean="0"/>
+              <a:rPr lang="zh-TW" altLang="en-US"/>
               <a:t>第五層</a:t>
             </a:r>
-            <a:endParaRPr lang="zh-TW" altLang="en-US"/>
           </a:p>
         </p:txBody>
       </p:sp>
@@ -652,7 +646,7 @@
             <a:fld id="{B235E853-9233-4ECB-AA3F-F9C5E9CFBDB1}" type="datetimeFigureOut">
               <a:rPr lang="zh-TW" altLang="en-US" smtClean="0"/>
               <a:pPr/>
-              <a:t>2022/1/7</a:t>
+              <a:t>2024/2/24</a:t>
             </a:fld>
             <a:endParaRPr lang="zh-TW" altLang="en-US"/>
           </a:p>
@@ -742,10 +736,9 @@
           <a:lstStyle/>
           <a:p>
             <a:r>
-              <a:rPr lang="zh-TW" altLang="en-US" smtClean="0"/>
+              <a:rPr lang="zh-TW" altLang="en-US"/>
               <a:t>按一下以編輯母片標題樣式</a:t>
             </a:r>
-            <a:endParaRPr lang="zh-TW" altLang="en-US"/>
           </a:p>
         </p:txBody>
       </p:sp>
@@ -766,38 +759,37 @@
           <a:p>
             <a:pPr lvl="0"/>
             <a:r>
-              <a:rPr lang="zh-TW" altLang="en-US" smtClean="0"/>
+              <a:rPr lang="zh-TW" altLang="en-US"/>
               <a:t>按一下以編輯母片文字樣式</a:t>
             </a:r>
           </a:p>
           <a:p>
             <a:pPr lvl="1"/>
             <a:r>
-              <a:rPr lang="zh-TW" altLang="en-US" smtClean="0"/>
+              <a:rPr lang="zh-TW" altLang="en-US"/>
               <a:t>第二層</a:t>
             </a:r>
           </a:p>
           <a:p>
             <a:pPr lvl="2"/>
             <a:r>
-              <a:rPr lang="zh-TW" altLang="en-US" smtClean="0"/>
+              <a:rPr lang="zh-TW" altLang="en-US"/>
               <a:t>第三層</a:t>
             </a:r>
           </a:p>
           <a:p>
             <a:pPr lvl="3"/>
             <a:r>
-              <a:rPr lang="zh-TW" altLang="en-US" smtClean="0"/>
+              <a:rPr lang="zh-TW" altLang="en-US"/>
               <a:t>第四層</a:t>
             </a:r>
           </a:p>
           <a:p>
             <a:pPr lvl="4"/>
             <a:r>
-              <a:rPr lang="zh-TW" altLang="en-US" smtClean="0"/>
+              <a:rPr lang="zh-TW" altLang="en-US"/>
               <a:t>第五層</a:t>
             </a:r>
-            <a:endParaRPr lang="zh-TW" altLang="en-US"/>
           </a:p>
         </p:txBody>
       </p:sp>
@@ -819,7 +811,7 @@
             <a:fld id="{B235E853-9233-4ECB-AA3F-F9C5E9CFBDB1}" type="datetimeFigureOut">
               <a:rPr lang="zh-TW" altLang="en-US" smtClean="0"/>
               <a:pPr/>
-              <a:t>2022/1/7</a:t>
+              <a:t>2024/2/24</a:t>
             </a:fld>
             <a:endParaRPr lang="zh-TW" altLang="en-US"/>
           </a:p>
@@ -918,10 +910,9 @@
           </a:lstStyle>
           <a:p>
             <a:r>
-              <a:rPr lang="zh-TW" altLang="en-US" smtClean="0"/>
+              <a:rPr lang="zh-TW" altLang="en-US"/>
               <a:t>按一下以編輯母片標題樣式</a:t>
             </a:r>
-            <a:endParaRPr lang="zh-TW" altLang="en-US"/>
           </a:p>
         </p:txBody>
       </p:sp>
@@ -1038,7 +1029,7 @@
           <a:p>
             <a:pPr lvl="0"/>
             <a:r>
-              <a:rPr lang="zh-TW" altLang="en-US" smtClean="0"/>
+              <a:rPr lang="zh-TW" altLang="en-US"/>
               <a:t>按一下以編輯母片文字樣式</a:t>
             </a:r>
           </a:p>
@@ -1062,7 +1053,7 @@
             <a:fld id="{B235E853-9233-4ECB-AA3F-F9C5E9CFBDB1}" type="datetimeFigureOut">
               <a:rPr lang="zh-TW" altLang="en-US" smtClean="0"/>
               <a:pPr/>
-              <a:t>2022/1/7</a:t>
+              <a:t>2024/2/24</a:t>
             </a:fld>
             <a:endParaRPr lang="zh-TW" altLang="en-US"/>
           </a:p>
@@ -1152,10 +1143,9 @@
           <a:lstStyle/>
           <a:p>
             <a:r>
-              <a:rPr lang="zh-TW" altLang="en-US" smtClean="0"/>
+              <a:rPr lang="zh-TW" altLang="en-US"/>
               <a:t>按一下以編輯母片標題樣式</a:t>
             </a:r>
-            <a:endParaRPr lang="zh-TW" altLang="en-US"/>
           </a:p>
         </p:txBody>
       </p:sp>
@@ -1209,38 +1199,37 @@
           <a:p>
             <a:pPr lvl="0"/>
             <a:r>
-              <a:rPr lang="zh-TW" altLang="en-US" smtClean="0"/>
+              <a:rPr lang="zh-TW" altLang="en-US"/>
               <a:t>按一下以編輯母片文字樣式</a:t>
             </a:r>
           </a:p>
           <a:p>
             <a:pPr lvl="1"/>
             <a:r>
-              <a:rPr lang="zh-TW" altLang="en-US" smtClean="0"/>
+              <a:rPr lang="zh-TW" altLang="en-US"/>
               <a:t>第二層</a:t>
             </a:r>
           </a:p>
           <a:p>
             <a:pPr lvl="2"/>
             <a:r>
-              <a:rPr lang="zh-TW" altLang="en-US" smtClean="0"/>
+              <a:rPr lang="zh-TW" altLang="en-US"/>
               <a:t>第三層</a:t>
             </a:r>
           </a:p>
           <a:p>
             <a:pPr lvl="3"/>
             <a:r>
-              <a:rPr lang="zh-TW" altLang="en-US" smtClean="0"/>
+              <a:rPr lang="zh-TW" altLang="en-US"/>
               <a:t>第四層</a:t>
             </a:r>
           </a:p>
           <a:p>
             <a:pPr lvl="4"/>
             <a:r>
-              <a:rPr lang="zh-TW" altLang="en-US" smtClean="0"/>
+              <a:rPr lang="zh-TW" altLang="en-US"/>
               <a:t>第五層</a:t>
             </a:r>
-            <a:endParaRPr lang="zh-TW" altLang="en-US"/>
           </a:p>
         </p:txBody>
       </p:sp>
@@ -1294,38 +1283,37 @@
           <a:p>
             <a:pPr lvl="0"/>
             <a:r>
-              <a:rPr lang="zh-TW" altLang="en-US" smtClean="0"/>
+              <a:rPr lang="zh-TW" altLang="en-US"/>
               <a:t>按一下以編輯母片文字樣式</a:t>
             </a:r>
           </a:p>
           <a:p>
             <a:pPr lvl="1"/>
             <a:r>
-              <a:rPr lang="zh-TW" altLang="en-US" smtClean="0"/>
+              <a:rPr lang="zh-TW" altLang="en-US"/>
               <a:t>第二層</a:t>
             </a:r>
           </a:p>
           <a:p>
             <a:pPr lvl="2"/>
             <a:r>
-              <a:rPr lang="zh-TW" altLang="en-US" smtClean="0"/>
+              <a:rPr lang="zh-TW" altLang="en-US"/>
               <a:t>第三層</a:t>
             </a:r>
           </a:p>
           <a:p>
             <a:pPr lvl="3"/>
             <a:r>
-              <a:rPr lang="zh-TW" altLang="en-US" smtClean="0"/>
+              <a:rPr lang="zh-TW" altLang="en-US"/>
               <a:t>第四層</a:t>
             </a:r>
           </a:p>
           <a:p>
             <a:pPr lvl="4"/>
             <a:r>
-              <a:rPr lang="zh-TW" altLang="en-US" smtClean="0"/>
+              <a:rPr lang="zh-TW" altLang="en-US"/>
               <a:t>第五層</a:t>
             </a:r>
-            <a:endParaRPr lang="zh-TW" altLang="en-US"/>
           </a:p>
         </p:txBody>
       </p:sp>
@@ -1347,7 +1335,7 @@
             <a:fld id="{B235E853-9233-4ECB-AA3F-F9C5E9CFBDB1}" type="datetimeFigureOut">
               <a:rPr lang="zh-TW" altLang="en-US" smtClean="0"/>
               <a:pPr/>
-              <a:t>2022/1/7</a:t>
+              <a:t>2024/2/24</a:t>
             </a:fld>
             <a:endParaRPr lang="zh-TW" altLang="en-US"/>
           </a:p>
@@ -1441,10 +1429,9 @@
           </a:lstStyle>
           <a:p>
             <a:r>
-              <a:rPr lang="zh-TW" altLang="en-US" smtClean="0"/>
+              <a:rPr lang="zh-TW" altLang="en-US"/>
               <a:t>按一下以編輯母片標題樣式</a:t>
             </a:r>
-            <a:endParaRPr lang="zh-TW" altLang="en-US"/>
           </a:p>
         </p:txBody>
       </p:sp>
@@ -1507,7 +1494,7 @@
           <a:p>
             <a:pPr lvl="0"/>
             <a:r>
-              <a:rPr lang="zh-TW" altLang="en-US" smtClean="0"/>
+              <a:rPr lang="zh-TW" altLang="en-US"/>
               <a:t>按一下以編輯母片文字樣式</a:t>
             </a:r>
           </a:p>
@@ -1563,38 +1550,37 @@
           <a:p>
             <a:pPr lvl="0"/>
             <a:r>
-              <a:rPr lang="zh-TW" altLang="en-US" smtClean="0"/>
+              <a:rPr lang="zh-TW" altLang="en-US"/>
               <a:t>按一下以編輯母片文字樣式</a:t>
             </a:r>
           </a:p>
           <a:p>
             <a:pPr lvl="1"/>
             <a:r>
-              <a:rPr lang="zh-TW" altLang="en-US" smtClean="0"/>
+              <a:rPr lang="zh-TW" altLang="en-US"/>
               <a:t>第二層</a:t>
             </a:r>
           </a:p>
           <a:p>
             <a:pPr lvl="2"/>
             <a:r>
-              <a:rPr lang="zh-TW" altLang="en-US" smtClean="0"/>
+              <a:rPr lang="zh-TW" altLang="en-US"/>
               <a:t>第三層</a:t>
             </a:r>
           </a:p>
           <a:p>
             <a:pPr lvl="3"/>
             <a:r>
-              <a:rPr lang="zh-TW" altLang="en-US" smtClean="0"/>
+              <a:rPr lang="zh-TW" altLang="en-US"/>
               <a:t>第四層</a:t>
             </a:r>
           </a:p>
           <a:p>
             <a:pPr lvl="4"/>
             <a:r>
-              <a:rPr lang="zh-TW" altLang="en-US" smtClean="0"/>
+              <a:rPr lang="zh-TW" altLang="en-US"/>
               <a:t>第五層</a:t>
             </a:r>
-            <a:endParaRPr lang="zh-TW" altLang="en-US"/>
           </a:p>
         </p:txBody>
       </p:sp>
@@ -1657,7 +1643,7 @@
           <a:p>
             <a:pPr lvl="0"/>
             <a:r>
-              <a:rPr lang="zh-TW" altLang="en-US" smtClean="0"/>
+              <a:rPr lang="zh-TW" altLang="en-US"/>
               <a:t>按一下以編輯母片文字樣式</a:t>
             </a:r>
           </a:p>
@@ -1713,38 +1699,37 @@
           <a:p>
             <a:pPr lvl="0"/>
             <a:r>
-              <a:rPr lang="zh-TW" altLang="en-US" smtClean="0"/>
+              <a:rPr lang="zh-TW" altLang="en-US"/>
               <a:t>按一下以編輯母片文字樣式</a:t>
             </a:r>
           </a:p>
           <a:p>
             <a:pPr lvl="1"/>
             <a:r>
-              <a:rPr lang="zh-TW" altLang="en-US" smtClean="0"/>
+              <a:rPr lang="zh-TW" altLang="en-US"/>
               <a:t>第二層</a:t>
             </a:r>
           </a:p>
           <a:p>
             <a:pPr lvl="2"/>
             <a:r>
-              <a:rPr lang="zh-TW" altLang="en-US" smtClean="0"/>
+              <a:rPr lang="zh-TW" altLang="en-US"/>
               <a:t>第三層</a:t>
             </a:r>
           </a:p>
           <a:p>
             <a:pPr lvl="3"/>
             <a:r>
-              <a:rPr lang="zh-TW" altLang="en-US" smtClean="0"/>
+              <a:rPr lang="zh-TW" altLang="en-US"/>
               <a:t>第四層</a:t>
             </a:r>
           </a:p>
           <a:p>
             <a:pPr lvl="4"/>
             <a:r>
-              <a:rPr lang="zh-TW" altLang="en-US" smtClean="0"/>
+              <a:rPr lang="zh-TW" altLang="en-US"/>
               <a:t>第五層</a:t>
             </a:r>
-            <a:endParaRPr lang="zh-TW" altLang="en-US"/>
           </a:p>
         </p:txBody>
       </p:sp>
@@ -1766,7 +1751,7 @@
             <a:fld id="{B235E853-9233-4ECB-AA3F-F9C5E9CFBDB1}" type="datetimeFigureOut">
               <a:rPr lang="zh-TW" altLang="en-US" smtClean="0"/>
               <a:pPr/>
-              <a:t>2022/1/7</a:t>
+              <a:t>2024/2/24</a:t>
             </a:fld>
             <a:endParaRPr lang="zh-TW" altLang="en-US"/>
           </a:p>
@@ -1856,10 +1841,9 @@
           <a:lstStyle/>
           <a:p>
             <a:r>
-              <a:rPr lang="zh-TW" altLang="en-US" smtClean="0"/>
+              <a:rPr lang="zh-TW" altLang="en-US"/>
               <a:t>按一下以編輯母片標題樣式</a:t>
             </a:r>
-            <a:endParaRPr lang="zh-TW" altLang="en-US"/>
           </a:p>
         </p:txBody>
       </p:sp>
@@ -1881,7 +1865,7 @@
             <a:fld id="{B235E853-9233-4ECB-AA3F-F9C5E9CFBDB1}" type="datetimeFigureOut">
               <a:rPr lang="zh-TW" altLang="en-US" smtClean="0"/>
               <a:pPr/>
-              <a:t>2022/1/7</a:t>
+              <a:t>2024/2/24</a:t>
             </a:fld>
             <a:endParaRPr lang="zh-TW" altLang="en-US"/>
           </a:p>
@@ -1973,7 +1957,7 @@
             <a:fld id="{B235E853-9233-4ECB-AA3F-F9C5E9CFBDB1}" type="datetimeFigureOut">
               <a:rPr lang="zh-TW" altLang="en-US" smtClean="0"/>
               <a:pPr/>
-              <a:t>2022/1/7</a:t>
+              <a:t>2024/2/24</a:t>
             </a:fld>
             <a:endParaRPr lang="zh-TW" altLang="en-US"/>
           </a:p>
@@ -2072,10 +2056,9 @@
           </a:lstStyle>
           <a:p>
             <a:r>
-              <a:rPr lang="zh-TW" altLang="en-US" smtClean="0"/>
+              <a:rPr lang="zh-TW" altLang="en-US"/>
               <a:t>按一下以編輯母片標題樣式</a:t>
             </a:r>
-            <a:endParaRPr lang="zh-TW" altLang="en-US"/>
           </a:p>
         </p:txBody>
       </p:sp>
@@ -2129,38 +2112,37 @@
           <a:p>
             <a:pPr lvl="0"/>
             <a:r>
-              <a:rPr lang="zh-TW" altLang="en-US" smtClean="0"/>
+              <a:rPr lang="zh-TW" altLang="en-US"/>
               <a:t>按一下以編輯母片文字樣式</a:t>
             </a:r>
           </a:p>
           <a:p>
             <a:pPr lvl="1"/>
             <a:r>
-              <a:rPr lang="zh-TW" altLang="en-US" smtClean="0"/>
+              <a:rPr lang="zh-TW" altLang="en-US"/>
               <a:t>第二層</a:t>
             </a:r>
           </a:p>
           <a:p>
             <a:pPr lvl="2"/>
             <a:r>
-              <a:rPr lang="zh-TW" altLang="en-US" smtClean="0"/>
+              <a:rPr lang="zh-TW" altLang="en-US"/>
               <a:t>第三層</a:t>
             </a:r>
           </a:p>
           <a:p>
             <a:pPr lvl="3"/>
             <a:r>
-              <a:rPr lang="zh-TW" altLang="en-US" smtClean="0"/>
+              <a:rPr lang="zh-TW" altLang="en-US"/>
               <a:t>第四層</a:t>
             </a:r>
           </a:p>
           <a:p>
             <a:pPr lvl="4"/>
             <a:r>
-              <a:rPr lang="zh-TW" altLang="en-US" smtClean="0"/>
+              <a:rPr lang="zh-TW" altLang="en-US"/>
               <a:t>第五層</a:t>
             </a:r>
-            <a:endParaRPr lang="zh-TW" altLang="en-US"/>
           </a:p>
         </p:txBody>
       </p:sp>
@@ -2223,7 +2205,7 @@
           <a:p>
             <a:pPr lvl="0"/>
             <a:r>
-              <a:rPr lang="zh-TW" altLang="en-US" smtClean="0"/>
+              <a:rPr lang="zh-TW" altLang="en-US"/>
               <a:t>按一下以編輯母片文字樣式</a:t>
             </a:r>
           </a:p>
@@ -2247,7 +2229,7 @@
             <a:fld id="{B235E853-9233-4ECB-AA3F-F9C5E9CFBDB1}" type="datetimeFigureOut">
               <a:rPr lang="zh-TW" altLang="en-US" smtClean="0"/>
               <a:pPr/>
-              <a:t>2022/1/7</a:t>
+              <a:t>2024/2/24</a:t>
             </a:fld>
             <a:endParaRPr lang="zh-TW" altLang="en-US"/>
           </a:p>
@@ -2346,10 +2328,9 @@
           </a:lstStyle>
           <a:p>
             <a:r>
-              <a:rPr lang="zh-TW" altLang="en-US" smtClean="0"/>
+              <a:rPr lang="zh-TW" altLang="en-US"/>
               <a:t>按一下以編輯母片標題樣式</a:t>
             </a:r>
-            <a:endParaRPr lang="zh-TW" altLang="en-US"/>
           </a:p>
         </p:txBody>
       </p:sp>
@@ -2411,10 +2392,9 @@
           </a:lstStyle>
           <a:p>
             <a:r>
-              <a:rPr lang="zh-TW" altLang="en-US" smtClean="0"/>
+              <a:rPr lang="zh-TW" altLang="en-US"/>
               <a:t>按一下圖示以新增圖片</a:t>
             </a:r>
-            <a:endParaRPr lang="zh-TW" altLang="en-US"/>
           </a:p>
         </p:txBody>
       </p:sp>
@@ -2477,7 +2457,7 @@
           <a:p>
             <a:pPr lvl="0"/>
             <a:r>
-              <a:rPr lang="zh-TW" altLang="en-US" smtClean="0"/>
+              <a:rPr lang="zh-TW" altLang="en-US"/>
               <a:t>按一下以編輯母片文字樣式</a:t>
             </a:r>
           </a:p>
@@ -2501,7 +2481,7 @@
             <a:fld id="{B235E853-9233-4ECB-AA3F-F9C5E9CFBDB1}" type="datetimeFigureOut">
               <a:rPr lang="zh-TW" altLang="en-US" smtClean="0"/>
               <a:pPr/>
-              <a:t>2022/1/7</a:t>
+              <a:t>2024/2/24</a:t>
             </a:fld>
             <a:endParaRPr lang="zh-TW" altLang="en-US"/>
           </a:p>
@@ -2611,10 +2591,9 @@
           <a:lstStyle/>
           <a:p>
             <a:r>
-              <a:rPr lang="zh-TW" altLang="en-US" smtClean="0"/>
+              <a:rPr lang="zh-TW" altLang="en-US"/>
               <a:t>按一下以編輯母片標題樣式</a:t>
             </a:r>
-            <a:endParaRPr lang="zh-TW" altLang="en-US"/>
           </a:p>
         </p:txBody>
       </p:sp>
@@ -2645,38 +2624,37 @@
           <a:p>
             <a:pPr lvl="0"/>
             <a:r>
-              <a:rPr lang="zh-TW" altLang="en-US" smtClean="0"/>
+              <a:rPr lang="zh-TW" altLang="en-US"/>
               <a:t>按一下以編輯母片文字樣式</a:t>
             </a:r>
           </a:p>
           <a:p>
             <a:pPr lvl="1"/>
             <a:r>
-              <a:rPr lang="zh-TW" altLang="en-US" smtClean="0"/>
+              <a:rPr lang="zh-TW" altLang="en-US"/>
               <a:t>第二層</a:t>
             </a:r>
           </a:p>
           <a:p>
             <a:pPr lvl="2"/>
             <a:r>
-              <a:rPr lang="zh-TW" altLang="en-US" smtClean="0"/>
+              <a:rPr lang="zh-TW" altLang="en-US"/>
               <a:t>第三層</a:t>
             </a:r>
           </a:p>
           <a:p>
             <a:pPr lvl="3"/>
             <a:r>
-              <a:rPr lang="zh-TW" altLang="en-US" smtClean="0"/>
+              <a:rPr lang="zh-TW" altLang="en-US"/>
               <a:t>第四層</a:t>
             </a:r>
           </a:p>
           <a:p>
             <a:pPr lvl="4"/>
             <a:r>
-              <a:rPr lang="zh-TW" altLang="en-US" smtClean="0"/>
+              <a:rPr lang="zh-TW" altLang="en-US"/>
               <a:t>第五層</a:t>
             </a:r>
-            <a:endParaRPr lang="zh-TW" altLang="en-US"/>
           </a:p>
         </p:txBody>
       </p:sp>
@@ -2716,7 +2694,7 @@
             <a:fld id="{B235E853-9233-4ECB-AA3F-F9C5E9CFBDB1}" type="datetimeFigureOut">
               <a:rPr lang="zh-TW" altLang="en-US" smtClean="0"/>
               <a:pPr/>
-              <a:t>2022/1/7</a:t>
+              <a:t>2024/2/24</a:t>
             </a:fld>
             <a:endParaRPr lang="zh-TW" altLang="en-US"/>
           </a:p>
@@ -3141,7 +3119,7 @@
                 <a:latin typeface="微軟正黑體" pitchFamily="34" charset="-120"/>
                 <a:ea typeface="微軟正黑體" pitchFamily="34" charset="-120"/>
               </a:rPr>
-              <a:t>袮</a:t>
+              <a:t>祢</a:t>
             </a:r>
             <a:r>
               <a:rPr lang="zh-TW" altLang="en-US" sz="7200" b="1" i="1" dirty="0">
@@ -3160,20 +3138,6 @@
               </a:rPr>
               <a:t> 哈利路亞</a:t>
             </a:r>
-            <a:endParaRPr lang="zh-TW" altLang="en-US" sz="7200" b="1" i="1" dirty="0">
-              <a:solidFill>
-                <a:srgbClr val="660033"/>
-              </a:solidFill>
-              <a:effectLst>
-                <a:outerShdw blurRad="38100" dist="38100" dir="2700000" algn="tl">
-                  <a:srgbClr val="000000">
-                    <a:alpha val="43137"/>
-                  </a:srgbClr>
-                </a:outerShdw>
-              </a:effectLst>
-              <a:latin typeface="微軟正黑體" pitchFamily="34" charset="-120"/>
-              <a:ea typeface="微軟正黑體" pitchFamily="34" charset="-120"/>
-            </a:endParaRPr>
           </a:p>
         </p:txBody>
       </p:sp>
@@ -3240,47 +3204,7 @@
                 <a:latin typeface="微軟正黑體" pitchFamily="34" charset="-120"/>
                 <a:ea typeface="微軟正黑體" pitchFamily="34" charset="-120"/>
               </a:rPr>
-              <a:t>感</a:t>
-            </a:r>
-            <a:r>
-              <a:rPr lang="zh-TW" altLang="en-US" sz="6400" b="1" dirty="0">
-                <a:solidFill>
-                  <a:srgbClr val="660033"/>
-                </a:solidFill>
-                <a:latin typeface="微軟正黑體" pitchFamily="34" charset="-120"/>
-                <a:ea typeface="微軟正黑體" pitchFamily="34" charset="-120"/>
-              </a:rPr>
-              <a:t>激基督帶</a:t>
-            </a:r>
-            <a:r>
-              <a:rPr lang="zh-TW" altLang="en-US" sz="6400" b="1" dirty="0">
-                <a:solidFill>
-                  <a:srgbClr val="660033"/>
-                </a:solidFill>
-                <a:latin typeface="微軟正黑體" pitchFamily="34" charset="-120"/>
-                <a:ea typeface="微軟正黑體" pitchFamily="34" charset="-120"/>
-              </a:rPr>
-              <a:t>領   恩</a:t>
-            </a:r>
-            <a:r>
-              <a:rPr lang="zh-TW" altLang="en-US" sz="6400" b="1" dirty="0">
-                <a:solidFill>
-                  <a:srgbClr val="660033"/>
-                </a:solidFill>
-                <a:latin typeface="微軟正黑體" pitchFamily="34" charset="-120"/>
-                <a:ea typeface="微軟正黑體" pitchFamily="34" charset="-120"/>
-              </a:rPr>
-              <a:t>典賜予我未</a:t>
-            </a:r>
-            <a:r>
-              <a:rPr lang="zh-TW" altLang="en-US" sz="6400" b="1" dirty="0">
-                <a:solidFill>
-                  <a:srgbClr val="660033"/>
-                </a:solidFill>
-                <a:latin typeface="微軟正黑體" pitchFamily="34" charset="-120"/>
-                <a:ea typeface="微軟正黑體" pitchFamily="34" charset="-120"/>
-              </a:rPr>
-              <a:t>停</a:t>
+              <a:t>感激基督帶領   恩典賜予我未停</a:t>
             </a:r>
             <a:endParaRPr lang="en-US" altLang="zh-TW" sz="6400" b="1" dirty="0">
               <a:solidFill>
@@ -3302,17 +3226,7 @@
                 <a:latin typeface="微軟正黑體" pitchFamily="34" charset="-120"/>
                 <a:ea typeface="微軟正黑體" pitchFamily="34" charset="-120"/>
               </a:rPr>
-              <a:t>日</a:t>
-            </a:r>
-            <a:r>
-              <a:rPr lang="zh-TW" altLang="en-US" sz="6400" b="1" dirty="0">
-                <a:solidFill>
-                  <a:srgbClr val="660033"/>
-                </a:solidFill>
-                <a:latin typeface="微軟正黑體" pitchFamily="34" charset="-120"/>
-                <a:ea typeface="微軟正黑體" pitchFamily="34" charset="-120"/>
-              </a:rPr>
-              <a:t>日服事主我心歡喜</a:t>
+              <a:t>日日服事主我心歡喜</a:t>
             </a:r>
           </a:p>
         </p:txBody>
@@ -3360,7 +3274,7 @@
                 <a:latin typeface="Microsoft JhengHei" panose="020B0604030504040204" pitchFamily="34" charset="-120"/>
                 <a:ea typeface="Microsoft JhengHei" panose="020B0604030504040204" pitchFamily="34" charset="-120"/>
               </a:rPr>
-              <a:t>正</a:t>
+              <a:t>正歌</a:t>
             </a:r>
             <a:r>
               <a:rPr lang="en-US" sz="4800" b="1" dirty="0">
@@ -3371,18 +3285,7 @@
                 <a:latin typeface="Microsoft JhengHei" panose="020B0604030504040204" pitchFamily="34" charset="-120"/>
                 <a:ea typeface="Microsoft JhengHei" panose="020B0604030504040204" pitchFamily="34" charset="-120"/>
               </a:rPr>
-              <a:t> </a:t>
-            </a:r>
-            <a:r>
-              <a:rPr lang="en-US" sz="4800" b="1" dirty="0">
-                <a:solidFill>
-                  <a:srgbClr val="660033"/>
-                </a:solidFill>
-                <a:effectLst/>
-                <a:latin typeface="Microsoft JhengHei" panose="020B0604030504040204" pitchFamily="34" charset="-120"/>
-                <a:ea typeface="Microsoft JhengHei" panose="020B0604030504040204" pitchFamily="34" charset="-120"/>
-              </a:rPr>
-              <a:t>)</a:t>
+              <a:t> )</a:t>
             </a:r>
             <a:endParaRPr lang="vi-VN" sz="4800" b="1" dirty="0">
               <a:solidFill>
@@ -3457,17 +3360,7 @@
                 <a:latin typeface="微軟正黑體" pitchFamily="34" charset="-120"/>
                 <a:ea typeface="微軟正黑體" pitchFamily="34" charset="-120"/>
               </a:rPr>
-              <a:t>讓讚美聲跨千</a:t>
-            </a:r>
-            <a:r>
-              <a:rPr lang="zh-TW" altLang="en-US" sz="6400" b="1" dirty="0">
-                <a:solidFill>
-                  <a:srgbClr val="660033"/>
-                </a:solidFill>
-                <a:latin typeface="微軟正黑體" pitchFamily="34" charset="-120"/>
-                <a:ea typeface="微軟正黑體" pitchFamily="34" charset="-120"/>
-              </a:rPr>
-              <a:t>里</a:t>
+              <a:t>讓讚美聲跨千里</a:t>
             </a:r>
             <a:endParaRPr lang="en-US" altLang="zh-TW" sz="6400" b="1" dirty="0">
               <a:solidFill>
@@ -3489,37 +3382,7 @@
                 <a:latin typeface="微軟正黑體" pitchFamily="34" charset="-120"/>
                 <a:ea typeface="微軟正黑體" pitchFamily="34" charset="-120"/>
               </a:rPr>
-              <a:t>要</a:t>
-            </a:r>
-            <a:r>
-              <a:rPr lang="zh-TW" altLang="en-US" sz="6400" b="1" dirty="0">
-                <a:solidFill>
-                  <a:srgbClr val="660033"/>
-                </a:solidFill>
-                <a:latin typeface="微軟正黑體" pitchFamily="34" charset="-120"/>
-                <a:ea typeface="微軟正黑體" pitchFamily="34" charset="-120"/>
-              </a:rPr>
-              <a:t>唱唱唱莫</a:t>
-            </a:r>
-            <a:r>
-              <a:rPr lang="zh-TW" altLang="en-US" sz="6400" b="1" dirty="0">
-                <a:solidFill>
-                  <a:srgbClr val="660033"/>
-                </a:solidFill>
-                <a:latin typeface="微軟正黑體" pitchFamily="34" charset="-120"/>
-                <a:ea typeface="微軟正黑體" pitchFamily="34" charset="-120"/>
-              </a:rPr>
-              <a:t>停   哈</a:t>
-            </a:r>
-            <a:r>
-              <a:rPr lang="zh-TW" altLang="en-US" sz="6400" b="1" dirty="0">
-                <a:solidFill>
-                  <a:srgbClr val="660033"/>
-                </a:solidFill>
-                <a:latin typeface="微軟正黑體" pitchFamily="34" charset="-120"/>
-                <a:ea typeface="微軟正黑體" pitchFamily="34" charset="-120"/>
-              </a:rPr>
-              <a:t>利路亞</a:t>
+              <a:t>要唱唱唱莫停   哈利路亞</a:t>
             </a:r>
           </a:p>
         </p:txBody>
@@ -3567,18 +3430,7 @@
                 <a:latin typeface="Microsoft JhengHei" panose="020B0604030504040204" pitchFamily="34" charset="-120"/>
                 <a:ea typeface="Microsoft JhengHei" panose="020B0604030504040204" pitchFamily="34" charset="-120"/>
               </a:rPr>
-              <a:t>正</a:t>
-            </a:r>
-            <a:r>
-              <a:rPr lang="en-US" sz="4800" b="1" dirty="0">
-                <a:solidFill>
-                  <a:srgbClr val="660033"/>
-                </a:solidFill>
-                <a:effectLst/>
-                <a:latin typeface="Microsoft JhengHei" panose="020B0604030504040204" pitchFamily="34" charset="-120"/>
-                <a:ea typeface="Microsoft JhengHei" panose="020B0604030504040204" pitchFamily="34" charset="-120"/>
-              </a:rPr>
-              <a:t> </a:t>
+              <a:t>正歌 </a:t>
             </a:r>
             <a:r>
               <a:rPr lang="en-US" sz="4800" b="1" dirty="0">
@@ -3664,28 +3516,33 @@
                 <a:latin typeface="微軟正黑體" pitchFamily="34" charset="-120"/>
                 <a:ea typeface="微軟正黑體" pitchFamily="34" charset="-120"/>
               </a:rPr>
-              <a:t>頌</a:t>
-            </a:r>
-            <a:r>
-              <a:rPr lang="zh-TW" altLang="en-US" sz="6400" b="1" dirty="0">
+              <a:t>頌讚</a:t>
+            </a:r>
+            <a:r>
+              <a:rPr lang="zh-CN" altLang="en-US" sz="6400" b="1" dirty="0">
                 <a:solidFill>
                   <a:srgbClr val="660033"/>
                 </a:solidFill>
                 <a:latin typeface="微軟正黑體" pitchFamily="34" charset="-120"/>
                 <a:ea typeface="微軟正黑體" pitchFamily="34" charset="-120"/>
               </a:rPr>
-              <a:t>讚</a:t>
-            </a:r>
-            <a:r>
-              <a:rPr lang="zh-CN" altLang="en-US" sz="6400" b="1" dirty="0">
+              <a:t>祢</a:t>
+            </a:r>
+            <a:r>
+              <a:rPr lang="zh-TW" altLang="en-US" sz="6400" b="1" dirty="0">
                 <a:solidFill>
                   <a:srgbClr val="660033"/>
                 </a:solidFill>
                 <a:latin typeface="微軟正黑體" pitchFamily="34" charset="-120"/>
                 <a:ea typeface="微軟正黑體" pitchFamily="34" charset="-120"/>
               </a:rPr>
-              <a:t>袮</a:t>
-            </a:r>
+              <a:t>   哈利路亞</a:t>
+            </a:r>
+          </a:p>
+          <a:p>
+            <a:pPr marL="0" indent="0" algn="ctr">
+              <a:buNone/>
+            </a:pPr>
             <a:r>
               <a:rPr lang="zh-TW" altLang="en-US" sz="6400" b="1" dirty="0">
                 <a:solidFill>
@@ -3694,17 +3551,17 @@
                 <a:latin typeface="微軟正黑體" pitchFamily="34" charset="-120"/>
                 <a:ea typeface="微軟正黑體" pitchFamily="34" charset="-120"/>
               </a:rPr>
-              <a:t>   哈</a:t>
-            </a:r>
-            <a:r>
-              <a:rPr lang="zh-TW" altLang="en-US" sz="6400" b="1" dirty="0">
+              <a:t>稱讚</a:t>
+            </a:r>
+            <a:r>
+              <a:rPr lang="zh-CN" altLang="en-US" sz="6400" b="1" dirty="0">
                 <a:solidFill>
                   <a:srgbClr val="660033"/>
                 </a:solidFill>
                 <a:latin typeface="微軟正黑體" pitchFamily="34" charset="-120"/>
                 <a:ea typeface="微軟正黑體" pitchFamily="34" charset="-120"/>
               </a:rPr>
-              <a:t>利路</a:t>
+              <a:t>祢   </a:t>
             </a:r>
             <a:r>
               <a:rPr lang="zh-TW" altLang="en-US" sz="6400" b="1" dirty="0">
@@ -3714,89 +3571,7 @@
                 <a:latin typeface="微軟正黑體" pitchFamily="34" charset="-120"/>
                 <a:ea typeface="微軟正黑體" pitchFamily="34" charset="-120"/>
               </a:rPr>
-              <a:t>亞</a:t>
-            </a:r>
-            <a:endParaRPr lang="zh-TW" altLang="en-US" sz="6400" b="1" dirty="0">
-              <a:solidFill>
-                <a:srgbClr val="660033"/>
-              </a:solidFill>
-              <a:latin typeface="微軟正黑體" pitchFamily="34" charset="-120"/>
-              <a:ea typeface="微軟正黑體" pitchFamily="34" charset="-120"/>
-            </a:endParaRPr>
-          </a:p>
-          <a:p>
-            <a:pPr marL="0" indent="0" algn="ctr">
-              <a:buNone/>
-            </a:pPr>
-            <a:r>
-              <a:rPr lang="zh-TW" altLang="en-US" sz="6400" b="1" dirty="0">
-                <a:solidFill>
-                  <a:srgbClr val="660033"/>
-                </a:solidFill>
-                <a:latin typeface="微軟正黑體" pitchFamily="34" charset="-120"/>
-                <a:ea typeface="微軟正黑體" pitchFamily="34" charset="-120"/>
-              </a:rPr>
-              <a:t>稱</a:t>
-            </a:r>
-            <a:r>
-              <a:rPr lang="zh-TW" altLang="en-US" sz="6400" b="1" dirty="0">
-                <a:solidFill>
-                  <a:srgbClr val="660033"/>
-                </a:solidFill>
-                <a:latin typeface="微軟正黑體" pitchFamily="34" charset="-120"/>
-                <a:ea typeface="微軟正黑體" pitchFamily="34" charset="-120"/>
-              </a:rPr>
-              <a:t>讚</a:t>
-            </a:r>
-            <a:r>
-              <a:rPr lang="zh-CN" altLang="en-US" sz="6400" b="1" dirty="0">
-                <a:solidFill>
-                  <a:srgbClr val="660033"/>
-                </a:solidFill>
-                <a:latin typeface="微軟正黑體" pitchFamily="34" charset="-120"/>
-                <a:ea typeface="微軟正黑體" pitchFamily="34" charset="-120"/>
-              </a:rPr>
-              <a:t>袮   </a:t>
-            </a:r>
-            <a:r>
-              <a:rPr lang="zh-TW" altLang="en-US" sz="6400" b="1" dirty="0">
-                <a:solidFill>
-                  <a:srgbClr val="660033"/>
-                </a:solidFill>
-                <a:latin typeface="微軟正黑體" pitchFamily="34" charset="-120"/>
-                <a:ea typeface="微軟正黑體" pitchFamily="34" charset="-120"/>
-              </a:rPr>
-              <a:t>哈</a:t>
-            </a:r>
-            <a:r>
-              <a:rPr lang="zh-TW" altLang="en-US" sz="6400" b="1" dirty="0">
-                <a:solidFill>
-                  <a:srgbClr val="660033"/>
-                </a:solidFill>
-                <a:latin typeface="微軟正黑體" pitchFamily="34" charset="-120"/>
-                <a:ea typeface="微軟正黑體" pitchFamily="34" charset="-120"/>
-              </a:rPr>
-              <a:t>利路</a:t>
-            </a:r>
-            <a:r>
-              <a:rPr lang="zh-TW" altLang="en-US" sz="6400" b="1" dirty="0">
-                <a:solidFill>
-                  <a:srgbClr val="660033"/>
-                </a:solidFill>
-                <a:latin typeface="微軟正黑體" pitchFamily="34" charset="-120"/>
-                <a:ea typeface="微軟正黑體" pitchFamily="34" charset="-120"/>
-              </a:rPr>
-              <a:t>亞   哈</a:t>
-            </a:r>
-            <a:r>
-              <a:rPr lang="zh-TW" altLang="en-US" sz="6400" b="1" dirty="0">
-                <a:solidFill>
-                  <a:srgbClr val="660033"/>
-                </a:solidFill>
-                <a:latin typeface="微軟正黑體" pitchFamily="34" charset="-120"/>
-                <a:ea typeface="微軟正黑體" pitchFamily="34" charset="-120"/>
-              </a:rPr>
-              <a:t>利路亞</a:t>
+              <a:t>哈利路亞   哈利路亞</a:t>
             </a:r>
           </a:p>
         </p:txBody>
@@ -3844,7 +3619,7 @@
                 <a:latin typeface="Microsoft JhengHei" panose="020B0604030504040204" pitchFamily="34" charset="-120"/>
                 <a:ea typeface="Microsoft JhengHei" panose="020B0604030504040204" pitchFamily="34" charset="-120"/>
               </a:rPr>
-              <a:t>副</a:t>
+              <a:t>副歌 </a:t>
             </a:r>
             <a:r>
               <a:rPr lang="en-US" sz="4800" b="1" dirty="0">
@@ -3855,7 +3630,29 @@
                 <a:latin typeface="Microsoft JhengHei" panose="020B0604030504040204" pitchFamily="34" charset="-120"/>
                 <a:ea typeface="Microsoft JhengHei" panose="020B0604030504040204" pitchFamily="34" charset="-120"/>
               </a:rPr>
-              <a:t> )( x2 )</a:t>
+              <a:t>)( 2</a:t>
+            </a:r>
+            <a:r>
+              <a:rPr lang="zh-CN" altLang="en-US" sz="4800" b="1" dirty="0">
+                <a:solidFill>
+                  <a:srgbClr val="660033"/>
+                </a:solidFill>
+                <a:effectLst/>
+                <a:latin typeface="Microsoft JhengHei" panose="020B0604030504040204" pitchFamily="34" charset="-120"/>
+                <a:ea typeface="Microsoft JhengHei" panose="020B0604030504040204" pitchFamily="34" charset="-120"/>
+              </a:rPr>
+              <a:t>次</a:t>
+            </a:r>
+            <a:r>
+              <a:rPr lang="en-US" sz="4800" b="1" dirty="0">
+                <a:solidFill>
+                  <a:srgbClr val="660033"/>
+                </a:solidFill>
+                <a:effectLst/>
+                <a:latin typeface="Microsoft JhengHei" panose="020B0604030504040204" pitchFamily="34" charset="-120"/>
+                <a:ea typeface="Microsoft JhengHei" panose="020B0604030504040204" pitchFamily="34" charset="-120"/>
+              </a:rPr>
+              <a:t> )</a:t>
             </a:r>
             <a:endParaRPr lang="vi-VN" sz="4800" b="1" dirty="0">
               <a:solidFill>
